--- a/Presentation/presentatio-final.pptx
+++ b/Presentation/presentatio-final.pptx
@@ -2,17 +2,19 @@
 <file path=ppt/presentation.xml><?xml version="1.0" encoding="utf-8"?>
 <p:presentation xmlns:a="http://schemas.openxmlformats.org/drawingml/2006/main" xmlns:r="http://schemas.openxmlformats.org/officeDocument/2006/relationships" xmlns:p="http://schemas.openxmlformats.org/presentationml/2006/main" saveSubsetFonts="1">
   <p:sldMasterIdLst>
-    <p:sldMasterId id="2147483672" r:id="rId1"/>
+    <p:sldMasterId id="2147483720" r:id="rId1"/>
   </p:sldMasterIdLst>
+  <p:notesMasterIdLst>
+    <p:notesMasterId r:id="rId9"/>
+  </p:notesMasterIdLst>
   <p:sldIdLst>
     <p:sldId id="256" r:id="rId2"/>
     <p:sldId id="257" r:id="rId3"/>
     <p:sldId id="258" r:id="rId4"/>
     <p:sldId id="259" r:id="rId5"/>
-    <p:sldId id="260" r:id="rId6"/>
-    <p:sldId id="261" r:id="rId7"/>
-    <p:sldId id="262" r:id="rId8"/>
-    <p:sldId id="263" r:id="rId9"/>
+    <p:sldId id="261" r:id="rId6"/>
+    <p:sldId id="262" r:id="rId7"/>
+    <p:sldId id="263" r:id="rId8"/>
   </p:sldIdLst>
   <p:sldSz cx="9144000" cy="6858000" type="screen4x3"/>
   <p:notesSz cx="6858000" cy="9144000"/>
@@ -114,12 +116,12 @@
 </p:presentation>
 </file>
 
-<file path=ppt/slideLayouts/slideLayout1.xml><?xml version="1.0" encoding="utf-8"?>
-<p:sldLayout xmlns:a="http://schemas.openxmlformats.org/drawingml/2006/main" xmlns:r="http://schemas.openxmlformats.org/officeDocument/2006/relationships" xmlns:p="http://schemas.openxmlformats.org/presentationml/2006/main" showMasterSp="0" type="title" preserve="1">
-  <p:cSld name="Title Slide">
+<file path=ppt/notesMasters/notesMaster1.xml><?xml version="1.0" encoding="utf-8"?>
+<p:notesMaster xmlns:a="http://schemas.openxmlformats.org/drawingml/2006/main" xmlns:r="http://schemas.openxmlformats.org/officeDocument/2006/relationships" xmlns:p="http://schemas.openxmlformats.org/presentationml/2006/main">
+  <p:cSld>
     <p:bg>
-      <p:bgRef idx="1002">
-        <a:schemeClr val="bg2"/>
+      <p:bgRef idx="1001">
+        <a:schemeClr val="bg1"/>
       </p:bgRef>
     </p:bg>
     <p:spTree>
@@ -138,288 +140,572 @@
       </p:grpSpPr>
       <p:sp>
         <p:nvSpPr>
-          <p:cNvPr id="7" name="Freeform 6"/>
-          <p:cNvSpPr>
-            <a:spLocks/>
-          </p:cNvSpPr>
-          <p:nvPr/>
-        </p:nvSpPr>
-        <p:spPr bwMode="auto">
-          <a:xfrm>
-            <a:off x="0" y="4752126"/>
-            <a:ext cx="9144000" cy="2112962"/>
-          </a:xfrm>
-          <a:custGeom>
-            <a:avLst>
-              <a:gd name="A1" fmla="val 0"/>
-              <a:gd name="A2" fmla="val 0"/>
-              <a:gd name="A3" fmla="val 0"/>
-              <a:gd name="A4" fmla="val 0"/>
-              <a:gd name="A5" fmla="val 0"/>
-              <a:gd name="A6" fmla="val 0"/>
-              <a:gd name="A7" fmla="val 0"/>
-              <a:gd name="A8" fmla="val 0"/>
-            </a:avLst>
-            <a:gdLst/>
-            <a:ahLst/>
-            <a:cxnLst>
-              <a:cxn ang="0">
-                <a:pos x="0" y="1066"/>
-              </a:cxn>
-              <a:cxn ang="0">
-                <a:pos x="0" y="1331"/>
-              </a:cxn>
-              <a:cxn ang="0">
-                <a:pos x="5760" y="1331"/>
-              </a:cxn>
-              <a:cxn ang="0">
-                <a:pos x="5760" y="0"/>
-              </a:cxn>
-              <a:cxn ang="0">
-                <a:pos x="0" y="1066"/>
-              </a:cxn>
-            </a:cxnLst>
-            <a:rect l="0" t="0" r="0" b="0"/>
-            <a:pathLst>
-              <a:path w="5760" h="1331">
-                <a:moveTo>
-                  <a:pt x="0" y="1066"/>
-                </a:moveTo>
-                <a:lnTo>
-                  <a:pt x="0" y="1331"/>
-                </a:lnTo>
-                <a:lnTo>
-                  <a:pt x="5760" y="1331"/>
-                </a:lnTo>
-                <a:lnTo>
-                  <a:pt x="5760" y="0"/>
-                </a:lnTo>
-                <a:cubicBezTo>
-                  <a:pt x="3220" y="1206"/>
-                  <a:pt x="2250" y="1146"/>
-                  <a:pt x="0" y="1066"/>
-                </a:cubicBezTo>
-                <a:close/>
-              </a:path>
-            </a:pathLst>
-          </a:custGeom>
-          <a:solidFill>
-            <a:schemeClr val="bg1">
-              <a:tint val="80000"/>
-              <a:satMod val="200000"/>
-              <a:alpha val="45000"/>
-            </a:schemeClr>
-          </a:solidFill>
-          <a:ln w="9525" cap="flat" cmpd="sng" algn="ctr">
-            <a:noFill/>
-            <a:prstDash val="solid"/>
-            <a:round/>
-            <a:headEnd type="none" w="med" len="med"/>
-            <a:tailEnd type="none" w="med" len="med"/>
-          </a:ln>
-          <a:effectLst>
-            <a:outerShdw blurRad="50800" dist="44450" dir="16200000" algn="ctr" rotWithShape="0">
-              <a:prstClr val="black">
-                <a:alpha val="35000"/>
-              </a:prstClr>
-            </a:outerShdw>
-          </a:effectLst>
-        </p:spPr>
-        <p:txBody>
-          <a:bodyPr vert="horz" wrap="square" lIns="91440" tIns="45720" rIns="91440" bIns="45720" anchor="t" compatLnSpc="1"/>
-          <a:lstStyle/>
-          <a:p>
-            <a:endParaRPr kumimoji="0" lang="en-US"/>
-          </a:p>
-        </p:txBody>
-      </p:sp>
-      <p:sp>
-        <p:nvSpPr>
-          <p:cNvPr id="8" name="Freeform 7"/>
-          <p:cNvSpPr>
-            <a:spLocks/>
-          </p:cNvSpPr>
-          <p:nvPr/>
-        </p:nvSpPr>
-        <p:spPr bwMode="auto">
-          <a:xfrm>
-            <a:off x="6105525" y="0"/>
-            <a:ext cx="3038475" cy="6858000"/>
-          </a:xfrm>
-          <a:custGeom>
-            <a:avLst/>
-            <a:gdLst>
-              <a:gd name="connsiteX0" fmla="*/ 1914 w 1914"/>
-              <a:gd name="connsiteY0" fmla="*/ 9 h 4329"/>
-              <a:gd name="connsiteX1" fmla="*/ 1914 w 1914"/>
-              <a:gd name="connsiteY1" fmla="*/ 4329 h 4329"/>
-              <a:gd name="connsiteX2" fmla="*/ 204 w 1914"/>
-              <a:gd name="connsiteY2" fmla="*/ 4327 h 4329"/>
-              <a:gd name="connsiteX3" fmla="*/ 0 w 1914"/>
-              <a:gd name="connsiteY3" fmla="*/ 0 h 4329"/>
-              <a:gd name="connsiteX4" fmla="*/ 1914 w 1914"/>
-              <a:gd name="connsiteY4" fmla="*/ 9 h 4329"/>
-            </a:gdLst>
-            <a:ahLst/>
-            <a:cxnLst>
-              <a:cxn ang="0">
-                <a:pos x="connsiteX0" y="connsiteY0"/>
-              </a:cxn>
-              <a:cxn ang="0">
-                <a:pos x="connsiteX1" y="connsiteY1"/>
-              </a:cxn>
-              <a:cxn ang="0">
-                <a:pos x="connsiteX2" y="connsiteY2"/>
-              </a:cxn>
-              <a:cxn ang="0">
-                <a:pos x="connsiteX3" y="connsiteY3"/>
-              </a:cxn>
-              <a:cxn ang="0">
-                <a:pos x="connsiteX4" y="connsiteY4"/>
-              </a:cxn>
-            </a:cxnLst>
-            <a:rect l="l" t="t" r="r" b="b"/>
-            <a:pathLst>
-              <a:path w="1914" h="4329">
-                <a:moveTo>
-                  <a:pt x="1914" y="9"/>
-                </a:moveTo>
-                <a:lnTo>
-                  <a:pt x="1914" y="4329"/>
-                </a:lnTo>
-                <a:lnTo>
-                  <a:pt x="204" y="4327"/>
-                </a:lnTo>
-                <a:cubicBezTo>
-                  <a:pt x="1288" y="3574"/>
-                  <a:pt x="1608" y="1590"/>
-                  <a:pt x="0" y="0"/>
-                </a:cubicBezTo>
-                <a:lnTo>
-                  <a:pt x="1914" y="9"/>
-                </a:lnTo>
-                <a:close/>
-              </a:path>
-            </a:pathLst>
-          </a:custGeom>
-          <a:solidFill>
-            <a:schemeClr val="bg1">
-              <a:tint val="90000"/>
-              <a:satMod val="350000"/>
-              <a:alpha val="40000"/>
-            </a:schemeClr>
-          </a:solidFill>
-          <a:ln w="9525" cap="flat" cmpd="sng" algn="ctr">
-            <a:noFill/>
-            <a:prstDash val="solid"/>
-            <a:round/>
-            <a:headEnd type="none" w="med" len="med"/>
-            <a:tailEnd type="none" w="med" len="med"/>
-          </a:ln>
-          <a:effectLst>
-            <a:outerShdw blurRad="50800" dist="50800" dir="10800000" algn="ctr" rotWithShape="0">
-              <a:prstClr val="black">
-                <a:alpha val="45000"/>
-              </a:prstClr>
-            </a:outerShdw>
-          </a:effectLst>
-        </p:spPr>
-        <p:txBody>
-          <a:bodyPr vert="horz" wrap="square" lIns="91440" tIns="45720" rIns="91440" bIns="45720" anchor="t" compatLnSpc="1"/>
-          <a:lstStyle/>
-          <a:p>
-            <a:endParaRPr kumimoji="0" lang="en-US"/>
-          </a:p>
-        </p:txBody>
-      </p:sp>
-      <p:sp>
-        <p:nvSpPr>
-          <p:cNvPr id="9" name="Title 8"/>
-          <p:cNvSpPr>
-            <a:spLocks noGrp="1"/>
-          </p:cNvSpPr>
-          <p:nvPr>
-            <p:ph type="ctrTitle"/>
+          <p:cNvPr id="2" name="Header Placeholder 1"/>
+          <p:cNvSpPr>
+            <a:spLocks noGrp="1"/>
+          </p:cNvSpPr>
+          <p:nvPr>
+            <p:ph type="hdr" sz="quarter"/>
           </p:nvPr>
         </p:nvSpPr>
         <p:spPr>
           <a:xfrm>
-            <a:off x="429064" y="3337560"/>
-            <a:ext cx="6480048" cy="2301240"/>
+            <a:off x="0" y="0"/>
+            <a:ext cx="2971800" cy="457200"/>
+          </a:xfrm>
+          <a:prstGeom prst="rect">
+            <a:avLst/>
+          </a:prstGeom>
+        </p:spPr>
+        <p:txBody>
+          <a:bodyPr vert="horz" lIns="91440" tIns="45720" rIns="91440" bIns="45720" rtlCol="0"/>
+          <a:lstStyle>
+            <a:lvl1pPr algn="l">
+              <a:defRPr sz="1200"/>
+            </a:lvl1pPr>
+          </a:lstStyle>
+          <a:p>
+            <a:endParaRPr lang="en-US"/>
+          </a:p>
+        </p:txBody>
+      </p:sp>
+      <p:sp>
+        <p:nvSpPr>
+          <p:cNvPr id="3" name="Date Placeholder 2"/>
+          <p:cNvSpPr>
+            <a:spLocks noGrp="1"/>
+          </p:cNvSpPr>
+          <p:nvPr>
+            <p:ph type="dt" idx="1"/>
+          </p:nvPr>
+        </p:nvSpPr>
+        <p:spPr>
+          <a:xfrm>
+            <a:off x="3884613" y="0"/>
+            <a:ext cx="2971800" cy="457200"/>
+          </a:xfrm>
+          <a:prstGeom prst="rect">
+            <a:avLst/>
+          </a:prstGeom>
+        </p:spPr>
+        <p:txBody>
+          <a:bodyPr vert="horz" lIns="91440" tIns="45720" rIns="91440" bIns="45720" rtlCol="0"/>
+          <a:lstStyle>
+            <a:lvl1pPr algn="r">
+              <a:defRPr sz="1200"/>
+            </a:lvl1pPr>
+          </a:lstStyle>
+          <a:p>
+            <a:fld id="{AE981046-1830-4A2A-89F6-328974B9017D}" type="datetimeFigureOut">
+              <a:rPr lang="en-US" smtClean="0"/>
+              <a:t>7/18/2014</a:t>
+            </a:fld>
+            <a:endParaRPr lang="en-US"/>
+          </a:p>
+        </p:txBody>
+      </p:sp>
+      <p:sp>
+        <p:nvSpPr>
+          <p:cNvPr id="4" name="Slide Image Placeholder 3"/>
+          <p:cNvSpPr>
+            <a:spLocks noGrp="1" noRot="1" noChangeAspect="1"/>
+          </p:cNvSpPr>
+          <p:nvPr>
+            <p:ph type="sldImg" idx="2"/>
+          </p:nvPr>
+        </p:nvSpPr>
+        <p:spPr>
+          <a:xfrm>
+            <a:off x="1143000" y="685800"/>
+            <a:ext cx="4572000" cy="3429000"/>
+          </a:xfrm>
+          <a:prstGeom prst="rect">
+            <a:avLst/>
+          </a:prstGeom>
+          <a:noFill/>
+          <a:ln w="12700">
+            <a:solidFill>
+              <a:prstClr val="black"/>
+            </a:solidFill>
+          </a:ln>
+        </p:spPr>
+        <p:txBody>
+          <a:bodyPr vert="horz" lIns="91440" tIns="45720" rIns="91440" bIns="45720" rtlCol="0" anchor="ctr"/>
+          <a:lstStyle/>
+          <a:p>
+            <a:endParaRPr lang="en-US"/>
+          </a:p>
+        </p:txBody>
+      </p:sp>
+      <p:sp>
+        <p:nvSpPr>
+          <p:cNvPr id="5" name="Notes Placeholder 4"/>
+          <p:cNvSpPr>
+            <a:spLocks noGrp="1"/>
+          </p:cNvSpPr>
+          <p:nvPr>
+            <p:ph type="body" sz="quarter" idx="3"/>
+          </p:nvPr>
+        </p:nvSpPr>
+        <p:spPr>
+          <a:xfrm>
+            <a:off x="685800" y="4343400"/>
+            <a:ext cx="5486400" cy="4114800"/>
+          </a:xfrm>
+          <a:prstGeom prst="rect">
+            <a:avLst/>
+          </a:prstGeom>
+        </p:spPr>
+        <p:txBody>
+          <a:bodyPr vert="horz" lIns="91440" tIns="45720" rIns="91440" bIns="45720" rtlCol="0"/>
+          <a:lstStyle/>
+          <a:p>
+            <a:pPr lvl="0"/>
+            <a:r>
+              <a:rPr lang="en-US" smtClean="0"/>
+              <a:t>Click to edit Master text styles</a:t>
+            </a:r>
+          </a:p>
+          <a:p>
+            <a:pPr lvl="1"/>
+            <a:r>
+              <a:rPr lang="en-US" smtClean="0"/>
+              <a:t>Second level</a:t>
+            </a:r>
+          </a:p>
+          <a:p>
+            <a:pPr lvl="2"/>
+            <a:r>
+              <a:rPr lang="en-US" smtClean="0"/>
+              <a:t>Third level</a:t>
+            </a:r>
+          </a:p>
+          <a:p>
+            <a:pPr lvl="3"/>
+            <a:r>
+              <a:rPr lang="en-US" smtClean="0"/>
+              <a:t>Fourth level</a:t>
+            </a:r>
+          </a:p>
+          <a:p>
+            <a:pPr lvl="4"/>
+            <a:r>
+              <a:rPr lang="en-US" smtClean="0"/>
+              <a:t>Fifth level</a:t>
+            </a:r>
+            <a:endParaRPr lang="en-US"/>
+          </a:p>
+        </p:txBody>
+      </p:sp>
+      <p:sp>
+        <p:nvSpPr>
+          <p:cNvPr id="6" name="Footer Placeholder 5"/>
+          <p:cNvSpPr>
+            <a:spLocks noGrp="1"/>
+          </p:cNvSpPr>
+          <p:nvPr>
+            <p:ph type="ftr" sz="quarter" idx="4"/>
+          </p:nvPr>
+        </p:nvSpPr>
+        <p:spPr>
+          <a:xfrm>
+            <a:off x="0" y="8685213"/>
+            <a:ext cx="2971800" cy="457200"/>
+          </a:xfrm>
+          <a:prstGeom prst="rect">
+            <a:avLst/>
+          </a:prstGeom>
+        </p:spPr>
+        <p:txBody>
+          <a:bodyPr vert="horz" lIns="91440" tIns="45720" rIns="91440" bIns="45720" rtlCol="0" anchor="b"/>
+          <a:lstStyle>
+            <a:lvl1pPr algn="l">
+              <a:defRPr sz="1200"/>
+            </a:lvl1pPr>
+          </a:lstStyle>
+          <a:p>
+            <a:endParaRPr lang="en-US"/>
+          </a:p>
+        </p:txBody>
+      </p:sp>
+      <p:sp>
+        <p:nvSpPr>
+          <p:cNvPr id="7" name="Slide Number Placeholder 6"/>
+          <p:cNvSpPr>
+            <a:spLocks noGrp="1"/>
+          </p:cNvSpPr>
+          <p:nvPr>
+            <p:ph type="sldNum" sz="quarter" idx="5"/>
+          </p:nvPr>
+        </p:nvSpPr>
+        <p:spPr>
+          <a:xfrm>
+            <a:off x="3884613" y="8685213"/>
+            <a:ext cx="2971800" cy="457200"/>
+          </a:xfrm>
+          <a:prstGeom prst="rect">
+            <a:avLst/>
+          </a:prstGeom>
+        </p:spPr>
+        <p:txBody>
+          <a:bodyPr vert="horz" lIns="91440" tIns="45720" rIns="91440" bIns="45720" rtlCol="0" anchor="b"/>
+          <a:lstStyle>
+            <a:lvl1pPr algn="r">
+              <a:defRPr sz="1200"/>
+            </a:lvl1pPr>
+          </a:lstStyle>
+          <a:p>
+            <a:fld id="{DAFBD9A9-B026-4CFE-B7AB-BCED6473AC17}" type="slidenum">
+              <a:rPr lang="en-US" smtClean="0"/>
+              <a:t>‹#›</a:t>
+            </a:fld>
+            <a:endParaRPr lang="en-US"/>
+          </a:p>
+        </p:txBody>
+      </p:sp>
+    </p:spTree>
+    <p:extLst>
+      <p:ext uri="{BB962C8B-B14F-4D97-AF65-F5344CB8AC3E}">
+        <p14:creationId xmlns:p14="http://schemas.microsoft.com/office/powerpoint/2010/main" val="4148788783"/>
+      </p:ext>
+    </p:extLst>
+  </p:cSld>
+  <p:clrMap bg1="lt1" tx1="dk1" bg2="lt2" tx2="dk2" accent1="accent1" accent2="accent2" accent3="accent3" accent4="accent4" accent5="accent5" accent6="accent6" hlink="hlink" folHlink="folHlink"/>
+  <p:notesStyle>
+    <a:lvl1pPr marL="0" algn="l" defTabSz="914400" rtl="0" eaLnBrk="1" latinLnBrk="0" hangingPunct="1">
+      <a:defRPr sz="1200" kern="1200">
+        <a:solidFill>
+          <a:schemeClr val="tx1"/>
+        </a:solidFill>
+        <a:latin typeface="+mn-lt"/>
+        <a:ea typeface="+mn-ea"/>
+        <a:cs typeface="+mn-cs"/>
+      </a:defRPr>
+    </a:lvl1pPr>
+    <a:lvl2pPr marL="457200" algn="l" defTabSz="914400" rtl="0" eaLnBrk="1" latinLnBrk="0" hangingPunct="1">
+      <a:defRPr sz="1200" kern="1200">
+        <a:solidFill>
+          <a:schemeClr val="tx1"/>
+        </a:solidFill>
+        <a:latin typeface="+mn-lt"/>
+        <a:ea typeface="+mn-ea"/>
+        <a:cs typeface="+mn-cs"/>
+      </a:defRPr>
+    </a:lvl2pPr>
+    <a:lvl3pPr marL="914400" algn="l" defTabSz="914400" rtl="0" eaLnBrk="1" latinLnBrk="0" hangingPunct="1">
+      <a:defRPr sz="1200" kern="1200">
+        <a:solidFill>
+          <a:schemeClr val="tx1"/>
+        </a:solidFill>
+        <a:latin typeface="+mn-lt"/>
+        <a:ea typeface="+mn-ea"/>
+        <a:cs typeface="+mn-cs"/>
+      </a:defRPr>
+    </a:lvl3pPr>
+    <a:lvl4pPr marL="1371600" algn="l" defTabSz="914400" rtl="0" eaLnBrk="1" latinLnBrk="0" hangingPunct="1">
+      <a:defRPr sz="1200" kern="1200">
+        <a:solidFill>
+          <a:schemeClr val="tx1"/>
+        </a:solidFill>
+        <a:latin typeface="+mn-lt"/>
+        <a:ea typeface="+mn-ea"/>
+        <a:cs typeface="+mn-cs"/>
+      </a:defRPr>
+    </a:lvl4pPr>
+    <a:lvl5pPr marL="1828800" algn="l" defTabSz="914400" rtl="0" eaLnBrk="1" latinLnBrk="0" hangingPunct="1">
+      <a:defRPr sz="1200" kern="1200">
+        <a:solidFill>
+          <a:schemeClr val="tx1"/>
+        </a:solidFill>
+        <a:latin typeface="+mn-lt"/>
+        <a:ea typeface="+mn-ea"/>
+        <a:cs typeface="+mn-cs"/>
+      </a:defRPr>
+    </a:lvl5pPr>
+    <a:lvl6pPr marL="2286000" algn="l" defTabSz="914400" rtl="0" eaLnBrk="1" latinLnBrk="0" hangingPunct="1">
+      <a:defRPr sz="1200" kern="1200">
+        <a:solidFill>
+          <a:schemeClr val="tx1"/>
+        </a:solidFill>
+        <a:latin typeface="+mn-lt"/>
+        <a:ea typeface="+mn-ea"/>
+        <a:cs typeface="+mn-cs"/>
+      </a:defRPr>
+    </a:lvl6pPr>
+    <a:lvl7pPr marL="2743200" algn="l" defTabSz="914400" rtl="0" eaLnBrk="1" latinLnBrk="0" hangingPunct="1">
+      <a:defRPr sz="1200" kern="1200">
+        <a:solidFill>
+          <a:schemeClr val="tx1"/>
+        </a:solidFill>
+        <a:latin typeface="+mn-lt"/>
+        <a:ea typeface="+mn-ea"/>
+        <a:cs typeface="+mn-cs"/>
+      </a:defRPr>
+    </a:lvl7pPr>
+    <a:lvl8pPr marL="3200400" algn="l" defTabSz="914400" rtl="0" eaLnBrk="1" latinLnBrk="0" hangingPunct="1">
+      <a:defRPr sz="1200" kern="1200">
+        <a:solidFill>
+          <a:schemeClr val="tx1"/>
+        </a:solidFill>
+        <a:latin typeface="+mn-lt"/>
+        <a:ea typeface="+mn-ea"/>
+        <a:cs typeface="+mn-cs"/>
+      </a:defRPr>
+    </a:lvl8pPr>
+    <a:lvl9pPr marL="3657600" algn="l" defTabSz="914400" rtl="0" eaLnBrk="1" latinLnBrk="0" hangingPunct="1">
+      <a:defRPr sz="1200" kern="1200">
+        <a:solidFill>
+          <a:schemeClr val="tx1"/>
+        </a:solidFill>
+        <a:latin typeface="+mn-lt"/>
+        <a:ea typeface="+mn-ea"/>
+        <a:cs typeface="+mn-cs"/>
+      </a:defRPr>
+    </a:lvl9pPr>
+  </p:notesStyle>
+</p:notesMaster>
+</file>
+
+<file path=ppt/notesSlides/notesSlide1.xml><?xml version="1.0" encoding="utf-8"?>
+<p:notes xmlns:a="http://schemas.openxmlformats.org/drawingml/2006/main" xmlns:r="http://schemas.openxmlformats.org/officeDocument/2006/relationships" xmlns:p="http://schemas.openxmlformats.org/presentationml/2006/main">
+  <p:cSld>
+    <p:spTree>
+      <p:nvGrpSpPr>
+        <p:cNvPr id="1" name=""/>
+        <p:cNvGrpSpPr/>
+        <p:nvPr/>
+      </p:nvGrpSpPr>
+      <p:grpSpPr>
+        <a:xfrm>
+          <a:off x="0" y="0"/>
+          <a:ext cx="0" cy="0"/>
+          <a:chOff x="0" y="0"/>
+          <a:chExt cx="0" cy="0"/>
+        </a:xfrm>
+      </p:grpSpPr>
+      <p:sp>
+        <p:nvSpPr>
+          <p:cNvPr id="2" name="Slide Image Placeholder 1"/>
+          <p:cNvSpPr>
+            <a:spLocks noGrp="1" noRot="1" noChangeAspect="1"/>
+          </p:cNvSpPr>
+          <p:nvPr>
+            <p:ph type="sldImg"/>
+          </p:nvPr>
+        </p:nvSpPr>
+        <p:spPr/>
+      </p:sp>
+      <p:sp>
+        <p:nvSpPr>
+          <p:cNvPr id="3" name="Notes Placeholder 2"/>
+          <p:cNvSpPr>
+            <a:spLocks noGrp="1"/>
+          </p:cNvSpPr>
+          <p:nvPr>
+            <p:ph type="body" idx="1"/>
+          </p:nvPr>
+        </p:nvSpPr>
+        <p:spPr/>
+        <p:txBody>
+          <a:bodyPr/>
+          <a:lstStyle/>
+          <a:p>
+            <a:r>
+              <a:rPr lang="en-US" dirty="0" smtClean="0"/>
+              <a:t>We</a:t>
+            </a:r>
+            <a:r>
+              <a:rPr lang="en-US" baseline="0" dirty="0" smtClean="0"/>
+              <a:t> can expect </a:t>
+            </a:r>
+            <a:r>
+              <a:rPr lang="en-US" baseline="0" dirty="0" err="1" smtClean="0"/>
+              <a:t>exede</a:t>
+            </a:r>
+            <a:r>
+              <a:rPr lang="en-US" baseline="0" dirty="0" smtClean="0"/>
+              <a:t> in 2020 to be faster, with higher data caps.  At the same time, we can expect there to be many large file formats that will still be </a:t>
+            </a:r>
+            <a:r>
+              <a:rPr lang="en-US" baseline="0" dirty="0" err="1" smtClean="0"/>
+              <a:t>unfeasbile</a:t>
+            </a:r>
+            <a:r>
+              <a:rPr lang="en-US" baseline="0" dirty="0" smtClean="0"/>
+              <a:t> on a capped connection – for example, 4k videos are already on the order of 100GB files.  By 2020, perhaps 8k video will be released, and one family’s monthly usage limit will be insufficient in these cases.  In order to get around this, we can leverage one of the great strengths of satellite internet</a:t>
+            </a:r>
+            <a:endParaRPr lang="en-US" dirty="0"/>
+          </a:p>
+        </p:txBody>
+      </p:sp>
+      <p:sp>
+        <p:nvSpPr>
+          <p:cNvPr id="4" name="Slide Number Placeholder 3"/>
+          <p:cNvSpPr>
+            <a:spLocks noGrp="1"/>
+          </p:cNvSpPr>
+          <p:nvPr>
+            <p:ph type="sldNum" sz="quarter" idx="10"/>
+          </p:nvPr>
+        </p:nvSpPr>
+        <p:spPr/>
+        <p:txBody>
+          <a:bodyPr/>
+          <a:lstStyle/>
+          <a:p>
+            <a:fld id="{DAFBD9A9-B026-4CFE-B7AB-BCED6473AC17}" type="slidenum">
+              <a:rPr lang="en-US" smtClean="0"/>
+              <a:t>2</a:t>
+            </a:fld>
+            <a:endParaRPr lang="en-US"/>
+          </a:p>
+        </p:txBody>
+      </p:sp>
+    </p:spTree>
+    <p:extLst>
+      <p:ext uri="{BB962C8B-B14F-4D97-AF65-F5344CB8AC3E}">
+        <p14:creationId xmlns:p14="http://schemas.microsoft.com/office/powerpoint/2010/main" val="1992770488"/>
+      </p:ext>
+    </p:extLst>
+  </p:cSld>
+  <p:clrMapOvr>
+    <a:masterClrMapping/>
+  </p:clrMapOvr>
+</p:notes>
+</file>
+
+<file path=ppt/notesSlides/notesSlide2.xml><?xml version="1.0" encoding="utf-8"?>
+<p:notes xmlns:a="http://schemas.openxmlformats.org/drawingml/2006/main" xmlns:r="http://schemas.openxmlformats.org/officeDocument/2006/relationships" xmlns:p="http://schemas.openxmlformats.org/presentationml/2006/main">
+  <p:cSld>
+    <p:spTree>
+      <p:nvGrpSpPr>
+        <p:cNvPr id="1" name=""/>
+        <p:cNvGrpSpPr/>
+        <p:nvPr/>
+      </p:nvGrpSpPr>
+      <p:grpSpPr>
+        <a:xfrm>
+          <a:off x="0" y="0"/>
+          <a:ext cx="0" cy="0"/>
+          <a:chOff x="0" y="0"/>
+          <a:chExt cx="0" cy="0"/>
+        </a:xfrm>
+      </p:grpSpPr>
+      <p:sp>
+        <p:nvSpPr>
+          <p:cNvPr id="2" name="Slide Image Placeholder 1"/>
+          <p:cNvSpPr>
+            <a:spLocks noGrp="1" noRot="1" noChangeAspect="1"/>
+          </p:cNvSpPr>
+          <p:nvPr>
+            <p:ph type="sldImg"/>
+          </p:nvPr>
+        </p:nvSpPr>
+        <p:spPr/>
+      </p:sp>
+      <p:sp>
+        <p:nvSpPr>
+          <p:cNvPr id="3" name="Notes Placeholder 2"/>
+          <p:cNvSpPr>
+            <a:spLocks noGrp="1"/>
+          </p:cNvSpPr>
+          <p:nvPr>
+            <p:ph type="body" idx="1"/>
+          </p:nvPr>
+        </p:nvSpPr>
+        <p:spPr/>
+        <p:txBody>
+          <a:bodyPr/>
+          <a:lstStyle/>
+          <a:p>
+            <a:endParaRPr lang="en-US" dirty="0"/>
+          </a:p>
+        </p:txBody>
+      </p:sp>
+      <p:sp>
+        <p:nvSpPr>
+          <p:cNvPr id="4" name="Slide Number Placeholder 3"/>
+          <p:cNvSpPr>
+            <a:spLocks noGrp="1"/>
+          </p:cNvSpPr>
+          <p:nvPr>
+            <p:ph type="sldNum" sz="quarter" idx="10"/>
+          </p:nvPr>
+        </p:nvSpPr>
+        <p:spPr/>
+        <p:txBody>
+          <a:bodyPr/>
+          <a:lstStyle/>
+          <a:p>
+            <a:fld id="{DAFBD9A9-B026-4CFE-B7AB-BCED6473AC17}" type="slidenum">
+              <a:rPr lang="en-US" smtClean="0"/>
+              <a:t>3</a:t>
+            </a:fld>
+            <a:endParaRPr lang="en-US"/>
+          </a:p>
+        </p:txBody>
+      </p:sp>
+    </p:spTree>
+    <p:extLst>
+      <p:ext uri="{BB962C8B-B14F-4D97-AF65-F5344CB8AC3E}">
+        <p14:creationId xmlns:p14="http://schemas.microsoft.com/office/powerpoint/2010/main" val="2021514690"/>
+      </p:ext>
+    </p:extLst>
+  </p:cSld>
+  <p:clrMapOvr>
+    <a:masterClrMapping/>
+  </p:clrMapOvr>
+</p:notes>
+</file>
+
+<file path=ppt/slideLayouts/slideLayout1.xml><?xml version="1.0" encoding="utf-8"?>
+<p:sldLayout xmlns:a="http://schemas.openxmlformats.org/drawingml/2006/main" xmlns:r="http://schemas.openxmlformats.org/officeDocument/2006/relationships" xmlns:p="http://schemas.openxmlformats.org/presentationml/2006/main" type="title" preserve="1">
+  <p:cSld name="Title Slide">
+    <p:spTree>
+      <p:nvGrpSpPr>
+        <p:cNvPr id="1" name=""/>
+        <p:cNvGrpSpPr/>
+        <p:nvPr/>
+      </p:nvGrpSpPr>
+      <p:grpSpPr>
+        <a:xfrm>
+          <a:off x="0" y="0"/>
+          <a:ext cx="0" cy="0"/>
+          <a:chOff x="0" y="0"/>
+          <a:chExt cx="0" cy="0"/>
+        </a:xfrm>
+      </p:grpSpPr>
+      <p:sp>
+        <p:nvSpPr>
+          <p:cNvPr id="2" name="Title 1"/>
+          <p:cNvSpPr>
+            <a:spLocks noGrp="1"/>
+          </p:cNvSpPr>
+          <p:nvPr>
+            <p:ph type="ctrTitle"/>
+          </p:nvPr>
+        </p:nvSpPr>
+        <p:spPr>
+          <a:xfrm>
+            <a:off x="685800" y="2130425"/>
+            <a:ext cx="7772400" cy="1470025"/>
           </a:xfrm>
         </p:spPr>
         <p:txBody>
-          <a:bodyPr rIns="45720" anchor="t"/>
-          <a:lstStyle>
-            <a:lvl1pPr algn="r">
-              <a:defRPr lang="en-US" b="1" cap="all" baseline="0" dirty="0">
-                <a:ln w="5000" cmpd="sng">
-                  <a:solidFill>
-                    <a:schemeClr val="accent1">
-                      <a:tint val="80000"/>
-                      <a:shade val="99000"/>
-                      <a:satMod val="500000"/>
-                    </a:schemeClr>
-                  </a:solidFill>
-                  <a:prstDash val="solid"/>
-                </a:ln>
-                <a:gradFill>
-                  <a:gsLst>
-                    <a:gs pos="0">
-                      <a:schemeClr val="accent1">
-                        <a:tint val="63000"/>
-                        <a:satMod val="255000"/>
-                      </a:schemeClr>
-                    </a:gs>
-                    <a:gs pos="9000">
-                      <a:schemeClr val="accent1">
-                        <a:tint val="63000"/>
-                        <a:satMod val="255000"/>
-                      </a:schemeClr>
-                    </a:gs>
-                    <a:gs pos="53000">
-                      <a:schemeClr val="accent1">
-                        <a:shade val="60000"/>
-                        <a:satMod val="100000"/>
-                      </a:schemeClr>
-                    </a:gs>
-                    <a:gs pos="90000">
-                      <a:schemeClr val="accent1">
-                        <a:tint val="63000"/>
-                        <a:satMod val="255000"/>
-                      </a:schemeClr>
-                    </a:gs>
-                    <a:gs pos="100000">
-                      <a:schemeClr val="accent1">
-                        <a:tint val="63000"/>
-                        <a:satMod val="255000"/>
-                      </a:schemeClr>
-                    </a:gs>
-                  </a:gsLst>
-                  <a:lin ang="5400000"/>
-                </a:gradFill>
-                <a:effectLst>
-                  <a:outerShdw blurRad="50800" dist="38100" dir="5400000" algn="t" rotWithShape="0">
-                    <a:prstClr val="black">
-                      <a:alpha val="50000"/>
-                    </a:prstClr>
-                  </a:outerShdw>
-                </a:effectLst>
-              </a:defRPr>
-            </a:lvl1pPr>
-          </a:lstStyle>
-          <a:p>
-            <a:r>
-              <a:rPr kumimoji="0" lang="en-US" smtClean="0"/>
+          <a:bodyPr/>
+          <a:lstStyle/>
+          <a:p>
+            <a:r>
+              <a:rPr lang="en-US" smtClean="0"/>
               <a:t>Click to edit Master title style</a:t>
             </a:r>
-            <a:endParaRPr kumimoji="0" lang="en-US"/>
-          </a:p>
-        </p:txBody>
-      </p:sp>
-      <p:sp>
-        <p:nvSpPr>
-          <p:cNvPr id="17" name="Subtitle 16"/>
+            <a:endParaRPr lang="en-US"/>
+          </a:p>
+        </p:txBody>
+      </p:sp>
+      <p:sp>
+        <p:nvSpPr>
+          <p:cNvPr id="3" name="Subtitle 2"/>
           <p:cNvSpPr>
             <a:spLocks noGrp="1"/>
           </p:cNvSpPr>
@@ -429,61 +715,116 @@
         </p:nvSpPr>
         <p:spPr>
           <a:xfrm>
-            <a:off x="433050" y="1544812"/>
-            <a:ext cx="6480048" cy="1752600"/>
+            <a:off x="1371600" y="3886200"/>
+            <a:ext cx="6400800" cy="1752600"/>
           </a:xfrm>
         </p:spPr>
         <p:txBody>
-          <a:bodyPr tIns="0" rIns="45720" bIns="0" anchor="b">
-            <a:normAutofit/>
-          </a:bodyPr>
+          <a:bodyPr/>
           <a:lstStyle>
-            <a:lvl1pPr marL="0" indent="0" algn="r">
-              <a:buNone/>
-              <a:defRPr sz="2000">
+            <a:lvl1pPr marL="0" indent="0" algn="ctr">
+              <a:buNone/>
+              <a:defRPr>
                 <a:solidFill>
-                  <a:schemeClr val="tx1"/>
+                  <a:schemeClr val="tx1">
+                    <a:tint val="75000"/>
+                  </a:schemeClr>
                 </a:solidFill>
-                <a:effectLst/>
               </a:defRPr>
             </a:lvl1pPr>
             <a:lvl2pPr marL="457200" indent="0" algn="ctr">
               <a:buNone/>
+              <a:defRPr>
+                <a:solidFill>
+                  <a:schemeClr val="tx1">
+                    <a:tint val="75000"/>
+                  </a:schemeClr>
+                </a:solidFill>
+              </a:defRPr>
             </a:lvl2pPr>
             <a:lvl3pPr marL="914400" indent="0" algn="ctr">
               <a:buNone/>
+              <a:defRPr>
+                <a:solidFill>
+                  <a:schemeClr val="tx1">
+                    <a:tint val="75000"/>
+                  </a:schemeClr>
+                </a:solidFill>
+              </a:defRPr>
             </a:lvl3pPr>
             <a:lvl4pPr marL="1371600" indent="0" algn="ctr">
               <a:buNone/>
+              <a:defRPr>
+                <a:solidFill>
+                  <a:schemeClr val="tx1">
+                    <a:tint val="75000"/>
+                  </a:schemeClr>
+                </a:solidFill>
+              </a:defRPr>
             </a:lvl4pPr>
             <a:lvl5pPr marL="1828800" indent="0" algn="ctr">
               <a:buNone/>
+              <a:defRPr>
+                <a:solidFill>
+                  <a:schemeClr val="tx1">
+                    <a:tint val="75000"/>
+                  </a:schemeClr>
+                </a:solidFill>
+              </a:defRPr>
             </a:lvl5pPr>
             <a:lvl6pPr marL="2286000" indent="0" algn="ctr">
               <a:buNone/>
+              <a:defRPr>
+                <a:solidFill>
+                  <a:schemeClr val="tx1">
+                    <a:tint val="75000"/>
+                  </a:schemeClr>
+                </a:solidFill>
+              </a:defRPr>
             </a:lvl6pPr>
             <a:lvl7pPr marL="2743200" indent="0" algn="ctr">
               <a:buNone/>
+              <a:defRPr>
+                <a:solidFill>
+                  <a:schemeClr val="tx1">
+                    <a:tint val="75000"/>
+                  </a:schemeClr>
+                </a:solidFill>
+              </a:defRPr>
             </a:lvl7pPr>
             <a:lvl8pPr marL="3200400" indent="0" algn="ctr">
               <a:buNone/>
+              <a:defRPr>
+                <a:solidFill>
+                  <a:schemeClr val="tx1">
+                    <a:tint val="75000"/>
+                  </a:schemeClr>
+                </a:solidFill>
+              </a:defRPr>
             </a:lvl8pPr>
             <a:lvl9pPr marL="3657600" indent="0" algn="ctr">
               <a:buNone/>
+              <a:defRPr>
+                <a:solidFill>
+                  <a:schemeClr val="tx1">
+                    <a:tint val="75000"/>
+                  </a:schemeClr>
+                </a:solidFill>
+              </a:defRPr>
             </a:lvl9pPr>
           </a:lstStyle>
           <a:p>
             <a:r>
-              <a:rPr kumimoji="0" lang="en-US" smtClean="0"/>
+              <a:rPr lang="en-US" smtClean="0"/>
               <a:t>Click to edit Master subtitle style</a:t>
             </a:r>
-            <a:endParaRPr kumimoji="0" lang="en-US"/>
-          </a:p>
-        </p:txBody>
-      </p:sp>
-      <p:sp>
-        <p:nvSpPr>
-          <p:cNvPr id="30" name="Date Placeholder 29"/>
+            <a:endParaRPr lang="en-US"/>
+          </a:p>
+        </p:txBody>
+      </p:sp>
+      <p:sp>
+        <p:nvSpPr>
+          <p:cNvPr id="4" name="Date Placeholder 3"/>
           <p:cNvSpPr>
             <a:spLocks noGrp="1"/>
           </p:cNvSpPr>
@@ -506,7 +847,7 @@
       </p:sp>
       <p:sp>
         <p:nvSpPr>
-          <p:cNvPr id="19" name="Footer Placeholder 18"/>
+          <p:cNvPr id="5" name="Footer Placeholder 4"/>
           <p:cNvSpPr>
             <a:spLocks noGrp="1"/>
           </p:cNvSpPr>
@@ -525,7 +866,7 @@
       </p:sp>
       <p:sp>
         <p:nvSpPr>
-          <p:cNvPr id="27" name="Slide Number Placeholder 26"/>
+          <p:cNvPr id="6" name="Slide Number Placeholder 5"/>
           <p:cNvSpPr>
             <a:spLocks noGrp="1"/>
           </p:cNvSpPr>
@@ -547,9 +888,14 @@
         </p:txBody>
       </p:sp>
     </p:spTree>
+    <p:extLst>
+      <p:ext uri="{BB962C8B-B14F-4D97-AF65-F5344CB8AC3E}">
+        <p14:creationId xmlns:p14="http://schemas.microsoft.com/office/powerpoint/2010/main" val="2604065683"/>
+      </p:ext>
+    </p:extLst>
   </p:cSld>
   <p:clrMapOvr>
-    <a:overrideClrMapping bg1="dk1" tx1="lt1" bg2="dk2" tx2="lt2" accent1="accent1" accent2="accent2" accent3="accent3" accent4="accent4" accent5="accent5" accent6="accent6" hlink="hlink" folHlink="folHlink"/>
+    <a:masterClrMapping/>
   </p:clrMapOvr>
 </p:sldLayout>
 </file>
@@ -587,10 +933,10 @@
           <a:lstStyle/>
           <a:p>
             <a:r>
-              <a:rPr kumimoji="0" lang="en-US" smtClean="0"/>
+              <a:rPr lang="en-US" smtClean="0"/>
               <a:t>Click to edit Master title style</a:t>
             </a:r>
-            <a:endParaRPr kumimoji="0" lang="en-US"/>
+            <a:endParaRPr lang="en-US"/>
           </a:p>
         </p:txBody>
       </p:sp>
@@ -609,40 +955,40 @@
           <a:bodyPr vert="eaVert"/>
           <a:lstStyle/>
           <a:p>
-            <a:pPr lvl="0" eaLnBrk="1" latinLnBrk="0" hangingPunct="1"/>
+            <a:pPr lvl="0"/>
             <a:r>
               <a:rPr lang="en-US" smtClean="0"/>
               <a:t>Click to edit Master text styles</a:t>
             </a:r>
           </a:p>
           <a:p>
-            <a:pPr lvl="1" eaLnBrk="1" latinLnBrk="0" hangingPunct="1"/>
+            <a:pPr lvl="1"/>
             <a:r>
               <a:rPr lang="en-US" smtClean="0"/>
               <a:t>Second level</a:t>
             </a:r>
           </a:p>
           <a:p>
-            <a:pPr lvl="2" eaLnBrk="1" latinLnBrk="0" hangingPunct="1"/>
+            <a:pPr lvl="2"/>
             <a:r>
               <a:rPr lang="en-US" smtClean="0"/>
               <a:t>Third level</a:t>
             </a:r>
           </a:p>
           <a:p>
-            <a:pPr lvl="3" eaLnBrk="1" latinLnBrk="0" hangingPunct="1"/>
+            <a:pPr lvl="3"/>
             <a:r>
               <a:rPr lang="en-US" smtClean="0"/>
               <a:t>Fourth level</a:t>
             </a:r>
           </a:p>
           <a:p>
-            <a:pPr lvl="4" eaLnBrk="1" latinLnBrk="0" hangingPunct="1"/>
+            <a:pPr lvl="4"/>
             <a:r>
               <a:rPr lang="en-US" smtClean="0"/>
               <a:t>Fifth level</a:t>
             </a:r>
-            <a:endParaRPr kumimoji="0" lang="en-US"/>
+            <a:endParaRPr lang="en-US"/>
           </a:p>
         </p:txBody>
       </p:sp>
@@ -712,6 +1058,11 @@
         </p:txBody>
       </p:sp>
     </p:spTree>
+    <p:extLst>
+      <p:ext uri="{BB962C8B-B14F-4D97-AF65-F5344CB8AC3E}">
+        <p14:creationId xmlns:p14="http://schemas.microsoft.com/office/powerpoint/2010/main" val="2302216695"/>
+      </p:ext>
+    </p:extLst>
   </p:cSld>
   <p:clrMapOvr>
     <a:masterClrMapping/>
@@ -757,10 +1108,10 @@
           <a:lstStyle/>
           <a:p>
             <a:r>
-              <a:rPr kumimoji="0" lang="en-US" smtClean="0"/>
+              <a:rPr lang="en-US" smtClean="0"/>
               <a:t>Click to edit Master title style</a:t>
             </a:r>
-            <a:endParaRPr kumimoji="0" lang="en-US"/>
+            <a:endParaRPr lang="en-US"/>
           </a:p>
         </p:txBody>
       </p:sp>
@@ -784,40 +1135,40 @@
           <a:bodyPr vert="eaVert"/>
           <a:lstStyle/>
           <a:p>
-            <a:pPr lvl="0" eaLnBrk="1" latinLnBrk="0" hangingPunct="1"/>
+            <a:pPr lvl="0"/>
             <a:r>
               <a:rPr lang="en-US" smtClean="0"/>
               <a:t>Click to edit Master text styles</a:t>
             </a:r>
           </a:p>
           <a:p>
-            <a:pPr lvl="1" eaLnBrk="1" latinLnBrk="0" hangingPunct="1"/>
+            <a:pPr lvl="1"/>
             <a:r>
               <a:rPr lang="en-US" smtClean="0"/>
               <a:t>Second level</a:t>
             </a:r>
           </a:p>
           <a:p>
-            <a:pPr lvl="2" eaLnBrk="1" latinLnBrk="0" hangingPunct="1"/>
+            <a:pPr lvl="2"/>
             <a:r>
               <a:rPr lang="en-US" smtClean="0"/>
               <a:t>Third level</a:t>
             </a:r>
           </a:p>
           <a:p>
-            <a:pPr lvl="3" eaLnBrk="1" latinLnBrk="0" hangingPunct="1"/>
+            <a:pPr lvl="3"/>
             <a:r>
               <a:rPr lang="en-US" smtClean="0"/>
               <a:t>Fourth level</a:t>
             </a:r>
           </a:p>
           <a:p>
-            <a:pPr lvl="4" eaLnBrk="1" latinLnBrk="0" hangingPunct="1"/>
+            <a:pPr lvl="4"/>
             <a:r>
               <a:rPr lang="en-US" smtClean="0"/>
               <a:t>Fifth level</a:t>
             </a:r>
-            <a:endParaRPr kumimoji="0" lang="en-US"/>
+            <a:endParaRPr lang="en-US"/>
           </a:p>
         </p:txBody>
       </p:sp>
@@ -887,6 +1238,11 @@
         </p:txBody>
       </p:sp>
     </p:spTree>
+    <p:extLst>
+      <p:ext uri="{BB962C8B-B14F-4D97-AF65-F5344CB8AC3E}">
+        <p14:creationId xmlns:p14="http://schemas.microsoft.com/office/powerpoint/2010/main" val="1136561579"/>
+      </p:ext>
+    </p:extLst>
   </p:cSld>
   <p:clrMapOvr>
     <a:masterClrMapping/>
@@ -924,17 +1280,13 @@
         <p:spPr/>
         <p:txBody>
           <a:bodyPr/>
-          <a:lstStyle>
-            <a:lvl1pPr algn="l">
-              <a:defRPr/>
-            </a:lvl1pPr>
-          </a:lstStyle>
-          <a:p>
-            <a:r>
-              <a:rPr kumimoji="0" lang="en-US" smtClean="0"/>
+          <a:lstStyle/>
+          <a:p>
+            <a:r>
+              <a:rPr lang="en-US" smtClean="0"/>
               <a:t>Click to edit Master title style</a:t>
             </a:r>
-            <a:endParaRPr kumimoji="0" lang="en-US"/>
+            <a:endParaRPr lang="en-US"/>
           </a:p>
         </p:txBody>
       </p:sp>
@@ -953,40 +1305,40 @@
           <a:bodyPr/>
           <a:lstStyle/>
           <a:p>
-            <a:pPr lvl="0" eaLnBrk="1" latinLnBrk="0" hangingPunct="1"/>
+            <a:pPr lvl="0"/>
             <a:r>
               <a:rPr lang="en-US" smtClean="0"/>
               <a:t>Click to edit Master text styles</a:t>
             </a:r>
           </a:p>
           <a:p>
-            <a:pPr lvl="1" eaLnBrk="1" latinLnBrk="0" hangingPunct="1"/>
+            <a:pPr lvl="1"/>
             <a:r>
               <a:rPr lang="en-US" smtClean="0"/>
               <a:t>Second level</a:t>
             </a:r>
           </a:p>
           <a:p>
-            <a:pPr lvl="2" eaLnBrk="1" latinLnBrk="0" hangingPunct="1"/>
+            <a:pPr lvl="2"/>
             <a:r>
               <a:rPr lang="en-US" smtClean="0"/>
               <a:t>Third level</a:t>
             </a:r>
           </a:p>
           <a:p>
-            <a:pPr lvl="3" eaLnBrk="1" latinLnBrk="0" hangingPunct="1"/>
+            <a:pPr lvl="3"/>
             <a:r>
               <a:rPr lang="en-US" smtClean="0"/>
               <a:t>Fourth level</a:t>
             </a:r>
           </a:p>
           <a:p>
-            <a:pPr lvl="4" eaLnBrk="1" latinLnBrk="0" hangingPunct="1"/>
+            <a:pPr lvl="4"/>
             <a:r>
               <a:rPr lang="en-US" smtClean="0"/>
               <a:t>Fifth level</a:t>
             </a:r>
-            <a:endParaRPr kumimoji="0" lang="en-US"/>
+            <a:endParaRPr lang="en-US"/>
           </a:p>
         </p:txBody>
       </p:sp>
@@ -1056,6 +1408,11 @@
         </p:txBody>
       </p:sp>
     </p:spTree>
+    <p:extLst>
+      <p:ext uri="{BB962C8B-B14F-4D97-AF65-F5344CB8AC3E}">
+        <p14:creationId xmlns:p14="http://schemas.microsoft.com/office/powerpoint/2010/main" val="301160364"/>
+      </p:ext>
+    </p:extLst>
   </p:cSld>
   <p:clrMapOvr>
     <a:masterClrMapping/>
@@ -1064,13 +1421,8 @@
 </file>
 
 <file path=ppt/slideLayouts/slideLayout3.xml><?xml version="1.0" encoding="utf-8"?>
-<p:sldLayout xmlns:a="http://schemas.openxmlformats.org/drawingml/2006/main" xmlns:r="http://schemas.openxmlformats.org/officeDocument/2006/relationships" xmlns:p="http://schemas.openxmlformats.org/presentationml/2006/main" showMasterSp="0" type="secHead" preserve="1">
+<p:sldLayout xmlns:a="http://schemas.openxmlformats.org/drawingml/2006/main" xmlns:r="http://schemas.openxmlformats.org/officeDocument/2006/relationships" xmlns:p="http://schemas.openxmlformats.org/presentationml/2006/main" type="secHead" preserve="1">
   <p:cSld name="Section Header">
-    <p:bg>
-      <p:bgRef idx="1002">
-        <a:schemeClr val="bg2"/>
-      </p:bgRef>
-    </p:bg>
     <p:spTree>
       <p:nvGrpSpPr>
         <p:cNvPr id="1" name=""/>
@@ -1087,202 +1439,6 @@
       </p:grpSpPr>
       <p:sp>
         <p:nvSpPr>
-          <p:cNvPr id="7" name="Freeform 6"/>
-          <p:cNvSpPr>
-            <a:spLocks/>
-          </p:cNvSpPr>
-          <p:nvPr/>
-        </p:nvSpPr>
-        <p:spPr bwMode="auto">
-          <a:xfrm>
-            <a:off x="0" y="4752126"/>
-            <a:ext cx="9144000" cy="2112962"/>
-          </a:xfrm>
-          <a:custGeom>
-            <a:avLst>
-              <a:gd name="A1" fmla="val 0"/>
-              <a:gd name="A2" fmla="val 0"/>
-              <a:gd name="A3" fmla="val 0"/>
-              <a:gd name="A4" fmla="val 0"/>
-              <a:gd name="A5" fmla="val 0"/>
-              <a:gd name="A6" fmla="val 0"/>
-              <a:gd name="A7" fmla="val 0"/>
-              <a:gd name="A8" fmla="val 0"/>
-            </a:avLst>
-            <a:gdLst/>
-            <a:ahLst/>
-            <a:cxnLst>
-              <a:cxn ang="0">
-                <a:pos x="0" y="1066"/>
-              </a:cxn>
-              <a:cxn ang="0">
-                <a:pos x="0" y="1331"/>
-              </a:cxn>
-              <a:cxn ang="0">
-                <a:pos x="5760" y="1331"/>
-              </a:cxn>
-              <a:cxn ang="0">
-                <a:pos x="5760" y="0"/>
-              </a:cxn>
-              <a:cxn ang="0">
-                <a:pos x="0" y="1066"/>
-              </a:cxn>
-            </a:cxnLst>
-            <a:rect l="0" t="0" r="0" b="0"/>
-            <a:pathLst>
-              <a:path w="5760" h="1331">
-                <a:moveTo>
-                  <a:pt x="0" y="1066"/>
-                </a:moveTo>
-                <a:lnTo>
-                  <a:pt x="0" y="1331"/>
-                </a:lnTo>
-                <a:lnTo>
-                  <a:pt x="5760" y="1331"/>
-                </a:lnTo>
-                <a:lnTo>
-                  <a:pt x="5760" y="0"/>
-                </a:lnTo>
-                <a:cubicBezTo>
-                  <a:pt x="3220" y="1206"/>
-                  <a:pt x="2250" y="1146"/>
-                  <a:pt x="0" y="1066"/>
-                </a:cubicBezTo>
-                <a:close/>
-              </a:path>
-            </a:pathLst>
-          </a:custGeom>
-          <a:solidFill>
-            <a:schemeClr val="bg1">
-              <a:tint val="80000"/>
-              <a:satMod val="200000"/>
-              <a:alpha val="45000"/>
-            </a:schemeClr>
-          </a:solidFill>
-          <a:ln w="9525" cap="flat" cmpd="sng" algn="ctr">
-            <a:noFill/>
-            <a:prstDash val="solid"/>
-            <a:round/>
-            <a:headEnd type="none" w="med" len="med"/>
-            <a:tailEnd type="none" w="med" len="med"/>
-          </a:ln>
-          <a:effectLst>
-            <a:outerShdw blurRad="50800" dist="44450" dir="16200000" algn="ctr" rotWithShape="0">
-              <a:prstClr val="black">
-                <a:alpha val="35000"/>
-              </a:prstClr>
-            </a:outerShdw>
-          </a:effectLst>
-        </p:spPr>
-        <p:txBody>
-          <a:bodyPr vert="horz" wrap="square" lIns="91440" tIns="45720" rIns="91440" bIns="45720" anchor="t" compatLnSpc="1"/>
-          <a:lstStyle/>
-          <a:p>
-            <a:endParaRPr kumimoji="0" lang="en-US"/>
-          </a:p>
-        </p:txBody>
-      </p:sp>
-      <p:sp>
-        <p:nvSpPr>
-          <p:cNvPr id="9" name="Freeform 8"/>
-          <p:cNvSpPr>
-            <a:spLocks/>
-          </p:cNvSpPr>
-          <p:nvPr/>
-        </p:nvSpPr>
-        <p:spPr bwMode="auto">
-          <a:xfrm>
-            <a:off x="6105525" y="0"/>
-            <a:ext cx="3038475" cy="6858000"/>
-          </a:xfrm>
-          <a:custGeom>
-            <a:avLst/>
-            <a:gdLst>
-              <a:gd name="connsiteX0" fmla="*/ 1914 w 1914"/>
-              <a:gd name="connsiteY0" fmla="*/ 9 h 4329"/>
-              <a:gd name="connsiteX1" fmla="*/ 1914 w 1914"/>
-              <a:gd name="connsiteY1" fmla="*/ 4329 h 4329"/>
-              <a:gd name="connsiteX2" fmla="*/ 204 w 1914"/>
-              <a:gd name="connsiteY2" fmla="*/ 4327 h 4329"/>
-              <a:gd name="connsiteX3" fmla="*/ 0 w 1914"/>
-              <a:gd name="connsiteY3" fmla="*/ 0 h 4329"/>
-              <a:gd name="connsiteX4" fmla="*/ 1914 w 1914"/>
-              <a:gd name="connsiteY4" fmla="*/ 9 h 4329"/>
-            </a:gdLst>
-            <a:ahLst/>
-            <a:cxnLst>
-              <a:cxn ang="0">
-                <a:pos x="connsiteX0" y="connsiteY0"/>
-              </a:cxn>
-              <a:cxn ang="0">
-                <a:pos x="connsiteX1" y="connsiteY1"/>
-              </a:cxn>
-              <a:cxn ang="0">
-                <a:pos x="connsiteX2" y="connsiteY2"/>
-              </a:cxn>
-              <a:cxn ang="0">
-                <a:pos x="connsiteX3" y="connsiteY3"/>
-              </a:cxn>
-              <a:cxn ang="0">
-                <a:pos x="connsiteX4" y="connsiteY4"/>
-              </a:cxn>
-            </a:cxnLst>
-            <a:rect l="l" t="t" r="r" b="b"/>
-            <a:pathLst>
-              <a:path w="1914" h="4329">
-                <a:moveTo>
-                  <a:pt x="1914" y="9"/>
-                </a:moveTo>
-                <a:lnTo>
-                  <a:pt x="1914" y="4329"/>
-                </a:lnTo>
-                <a:lnTo>
-                  <a:pt x="204" y="4327"/>
-                </a:lnTo>
-                <a:cubicBezTo>
-                  <a:pt x="1288" y="3574"/>
-                  <a:pt x="1608" y="1590"/>
-                  <a:pt x="0" y="0"/>
-                </a:cubicBezTo>
-                <a:lnTo>
-                  <a:pt x="1914" y="9"/>
-                </a:lnTo>
-                <a:close/>
-              </a:path>
-            </a:pathLst>
-          </a:custGeom>
-          <a:solidFill>
-            <a:schemeClr val="bg1">
-              <a:tint val="90000"/>
-              <a:satMod val="350000"/>
-              <a:alpha val="40000"/>
-            </a:schemeClr>
-          </a:solidFill>
-          <a:ln w="9525" cap="flat" cmpd="sng" algn="ctr">
-            <a:noFill/>
-            <a:prstDash val="solid"/>
-            <a:round/>
-            <a:headEnd type="none" w="med" len="med"/>
-            <a:tailEnd type="none" w="med" len="med"/>
-          </a:ln>
-          <a:effectLst>
-            <a:outerShdw blurRad="50800" dist="50800" dir="10800000" algn="ctr" rotWithShape="0">
-              <a:prstClr val="black">
-                <a:alpha val="45000"/>
-              </a:prstClr>
-            </a:outerShdw>
-          </a:effectLst>
-        </p:spPr>
-        <p:txBody>
-          <a:bodyPr vert="horz" wrap="square" lIns="91440" tIns="45720" rIns="91440" bIns="45720" anchor="t" compatLnSpc="1"/>
-          <a:lstStyle/>
-          <a:p>
-            <a:endParaRPr kumimoji="0" lang="en-US"/>
-          </a:p>
-        </p:txBody>
-      </p:sp>
-      <p:sp>
-        <p:nvSpPr>
           <p:cNvPr id="2" name="Title 1"/>
           <p:cNvSpPr>
             <a:spLocks noGrp="1"/>
@@ -1293,109 +1449,56 @@
         </p:nvSpPr>
         <p:spPr>
           <a:xfrm>
-            <a:off x="685800" y="3583837"/>
-            <a:ext cx="6629400" cy="1826363"/>
+            <a:off x="722313" y="4406900"/>
+            <a:ext cx="7772400" cy="1362075"/>
           </a:xfrm>
         </p:spPr>
         <p:txBody>
-          <a:bodyPr tIns="0" bIns="0" anchor="t"/>
+          <a:bodyPr anchor="t"/>
           <a:lstStyle>
             <a:lvl1pPr algn="l">
-              <a:buNone/>
-              <a:defRPr sz="4200" b="1" cap="none" baseline="0">
-                <a:ln w="5000" cmpd="sng">
-                  <a:solidFill>
-                    <a:schemeClr val="accent1">
-                      <a:tint val="80000"/>
-                      <a:shade val="99000"/>
-                      <a:satMod val="500000"/>
-                    </a:schemeClr>
-                  </a:solidFill>
-                  <a:prstDash val="solid"/>
-                </a:ln>
-                <a:gradFill>
-                  <a:gsLst>
-                    <a:gs pos="0">
-                      <a:schemeClr val="accent1">
-                        <a:tint val="63000"/>
-                        <a:satMod val="255000"/>
-                      </a:schemeClr>
-                    </a:gs>
-                    <a:gs pos="9000">
-                      <a:schemeClr val="accent1">
-                        <a:tint val="63000"/>
-                        <a:satMod val="255000"/>
-                      </a:schemeClr>
-                    </a:gs>
-                    <a:gs pos="53000">
-                      <a:schemeClr val="accent1">
-                        <a:shade val="60000"/>
-                        <a:satMod val="100000"/>
-                      </a:schemeClr>
-                    </a:gs>
-                    <a:gs pos="90000">
-                      <a:schemeClr val="accent1">
-                        <a:tint val="63000"/>
-                        <a:satMod val="255000"/>
-                      </a:schemeClr>
-                    </a:gs>
-                    <a:gs pos="100000">
-                      <a:schemeClr val="accent1">
-                        <a:tint val="63000"/>
-                        <a:satMod val="255000"/>
-                      </a:schemeClr>
-                    </a:gs>
-                  </a:gsLst>
-                  <a:lin ang="5400000"/>
-                </a:gradFill>
-                <a:effectLst>
-                  <a:outerShdw blurRad="50800" dist="38100" dir="5400000" algn="t" rotWithShape="0">
-                    <a:prstClr val="black">
-                      <a:alpha val="50000"/>
-                    </a:prstClr>
-                  </a:outerShdw>
-                </a:effectLst>
+              <a:defRPr sz="4000" b="1" cap="all"/>
+            </a:lvl1pPr>
+          </a:lstStyle>
+          <a:p>
+            <a:r>
+              <a:rPr lang="en-US" smtClean="0"/>
+              <a:t>Click to edit Master title style</a:t>
+            </a:r>
+            <a:endParaRPr lang="en-US"/>
+          </a:p>
+        </p:txBody>
+      </p:sp>
+      <p:sp>
+        <p:nvSpPr>
+          <p:cNvPr id="3" name="Text Placeholder 2"/>
+          <p:cNvSpPr>
+            <a:spLocks noGrp="1"/>
+          </p:cNvSpPr>
+          <p:nvPr>
+            <p:ph type="body" idx="1"/>
+          </p:nvPr>
+        </p:nvSpPr>
+        <p:spPr>
+          <a:xfrm>
+            <a:off x="722313" y="2906713"/>
+            <a:ext cx="7772400" cy="1500187"/>
+          </a:xfrm>
+        </p:spPr>
+        <p:txBody>
+          <a:bodyPr anchor="b"/>
+          <a:lstStyle>
+            <a:lvl1pPr marL="0" indent="0">
+              <a:buNone/>
+              <a:defRPr sz="2000">
+                <a:solidFill>
+                  <a:schemeClr val="tx1">
+                    <a:tint val="75000"/>
+                  </a:schemeClr>
+                </a:solidFill>
               </a:defRPr>
             </a:lvl1pPr>
-          </a:lstStyle>
-          <a:p>
-            <a:r>
-              <a:rPr kumimoji="0" lang="en-US" smtClean="0"/>
-              <a:t>Click to edit Master title style</a:t>
-            </a:r>
-            <a:endParaRPr kumimoji="0" lang="en-US"/>
-          </a:p>
-        </p:txBody>
-      </p:sp>
-      <p:sp>
-        <p:nvSpPr>
-          <p:cNvPr id="3" name="Text Placeholder 2"/>
-          <p:cNvSpPr>
-            <a:spLocks noGrp="1"/>
-          </p:cNvSpPr>
-          <p:nvPr>
-            <p:ph type="body" idx="1"/>
-          </p:nvPr>
-        </p:nvSpPr>
-        <p:spPr>
-          <a:xfrm>
-            <a:off x="685800" y="2485800"/>
-            <a:ext cx="6629400" cy="1066688"/>
-          </a:xfrm>
-        </p:spPr>
-        <p:txBody>
-          <a:bodyPr lIns="45720" tIns="0" rIns="45720" bIns="0" anchor="b"/>
-          <a:lstStyle>
-            <a:lvl1pPr marL="0" indent="0" algn="l">
-              <a:buNone/>
-              <a:defRPr sz="2000">
-                <a:solidFill>
-                  <a:schemeClr val="tx1"/>
-                </a:solidFill>
-                <a:effectLst/>
-              </a:defRPr>
-            </a:lvl1pPr>
-            <a:lvl2pPr>
+            <a:lvl2pPr marL="457200" indent="0">
               <a:buNone/>
               <a:defRPr sz="1800">
                 <a:solidFill>
@@ -1405,7 +1508,7 @@
                 </a:solidFill>
               </a:defRPr>
             </a:lvl2pPr>
-            <a:lvl3pPr>
+            <a:lvl3pPr marL="914400" indent="0">
               <a:buNone/>
               <a:defRPr sz="1600">
                 <a:solidFill>
@@ -1415,7 +1518,7 @@
                 </a:solidFill>
               </a:defRPr>
             </a:lvl3pPr>
-            <a:lvl4pPr>
+            <a:lvl4pPr marL="1371600" indent="0">
               <a:buNone/>
               <a:defRPr sz="1400">
                 <a:solidFill>
@@ -1425,7 +1528,7 @@
                 </a:solidFill>
               </a:defRPr>
             </a:lvl4pPr>
-            <a:lvl5pPr>
+            <a:lvl5pPr marL="1828800" indent="0">
               <a:buNone/>
               <a:defRPr sz="1400">
                 <a:solidFill>
@@ -1435,11 +1538,51 @@
                 </a:solidFill>
               </a:defRPr>
             </a:lvl5pPr>
+            <a:lvl6pPr marL="2286000" indent="0">
+              <a:buNone/>
+              <a:defRPr sz="1400">
+                <a:solidFill>
+                  <a:schemeClr val="tx1">
+                    <a:tint val="75000"/>
+                  </a:schemeClr>
+                </a:solidFill>
+              </a:defRPr>
+            </a:lvl6pPr>
+            <a:lvl7pPr marL="2743200" indent="0">
+              <a:buNone/>
+              <a:defRPr sz="1400">
+                <a:solidFill>
+                  <a:schemeClr val="tx1">
+                    <a:tint val="75000"/>
+                  </a:schemeClr>
+                </a:solidFill>
+              </a:defRPr>
+            </a:lvl7pPr>
+            <a:lvl8pPr marL="3200400" indent="0">
+              <a:buNone/>
+              <a:defRPr sz="1400">
+                <a:solidFill>
+                  <a:schemeClr val="tx1">
+                    <a:tint val="75000"/>
+                  </a:schemeClr>
+                </a:solidFill>
+              </a:defRPr>
+            </a:lvl8pPr>
+            <a:lvl9pPr marL="3657600" indent="0">
+              <a:buNone/>
+              <a:defRPr sz="1400">
+                <a:solidFill>
+                  <a:schemeClr val="tx1">
+                    <a:tint val="75000"/>
+                  </a:schemeClr>
+                </a:solidFill>
+              </a:defRPr>
+            </a:lvl9pPr>
           </a:lstStyle>
           <a:p>
-            <a:pPr lvl="0" eaLnBrk="1" latinLnBrk="0" hangingPunct="1"/>
-            <a:r>
-              <a:rPr kumimoji="0" lang="en-US" smtClean="0"/>
+            <a:pPr lvl="0"/>
+            <a:r>
+              <a:rPr lang="en-US" smtClean="0"/>
               <a:t>Click to edit Master text styles</a:t>
             </a:r>
           </a:p>
@@ -1511,9 +1654,14 @@
         </p:txBody>
       </p:sp>
     </p:spTree>
+    <p:extLst>
+      <p:ext uri="{BB962C8B-B14F-4D97-AF65-F5344CB8AC3E}">
+        <p14:creationId xmlns:p14="http://schemas.microsoft.com/office/powerpoint/2010/main" val="1707319491"/>
+      </p:ext>
+    </p:extLst>
   </p:cSld>
   <p:clrMapOvr>
-    <a:overrideClrMapping bg1="dk1" tx1="lt1" bg2="dk2" tx2="lt2" accent1="accent1" accent2="accent2" accent3="accent3" accent4="accent4" accent5="accent5" accent6="accent6" hlink="hlink" folHlink="folHlink"/>
+    <a:masterClrMapping/>
   </p:clrMapOvr>
 </p:sldLayout>
 </file>
@@ -1545,21 +1693,16 @@
             <p:ph type="title"/>
           </p:nvPr>
         </p:nvSpPr>
-        <p:spPr>
-          <a:xfrm>
-            <a:off x="457200" y="274638"/>
-            <a:ext cx="7467600" cy="1143000"/>
-          </a:xfrm>
-        </p:spPr>
-        <p:txBody>
-          <a:bodyPr/>
-          <a:lstStyle/>
-          <a:p>
-            <a:r>
-              <a:rPr kumimoji="0" lang="en-US" smtClean="0"/>
+        <p:spPr/>
+        <p:txBody>
+          <a:bodyPr/>
+          <a:lstStyle/>
+          <a:p>
+            <a:r>
+              <a:rPr lang="en-US" smtClean="0"/>
               <a:t>Click to edit Master title style</a:t>
             </a:r>
-            <a:endParaRPr kumimoji="0" lang="en-US"/>
+            <a:endParaRPr lang="en-US"/>
           </a:p>
         </p:txBody>
       </p:sp>
@@ -1576,17 +1719,17 @@
         <p:spPr>
           <a:xfrm>
             <a:off x="457200" y="1600200"/>
-            <a:ext cx="3657600" cy="4525963"/>
+            <a:ext cx="4038600" cy="4525963"/>
           </a:xfrm>
         </p:spPr>
         <p:txBody>
           <a:bodyPr/>
           <a:lstStyle>
             <a:lvl1pPr>
-              <a:defRPr sz="2600"/>
+              <a:defRPr sz="2800"/>
             </a:lvl1pPr>
             <a:lvl2pPr>
-              <a:defRPr sz="2200"/>
+              <a:defRPr sz="2400"/>
             </a:lvl2pPr>
             <a:lvl3pPr>
               <a:defRPr sz="2000"/>
@@ -1597,42 +1740,54 @@
             <a:lvl5pPr>
               <a:defRPr sz="1800"/>
             </a:lvl5pPr>
+            <a:lvl6pPr>
+              <a:defRPr sz="1800"/>
+            </a:lvl6pPr>
+            <a:lvl7pPr>
+              <a:defRPr sz="1800"/>
+            </a:lvl7pPr>
+            <a:lvl8pPr>
+              <a:defRPr sz="1800"/>
+            </a:lvl8pPr>
+            <a:lvl9pPr>
+              <a:defRPr sz="1800"/>
+            </a:lvl9pPr>
           </a:lstStyle>
           <a:p>
-            <a:pPr lvl="0" eaLnBrk="1" latinLnBrk="0" hangingPunct="1"/>
+            <a:pPr lvl="0"/>
             <a:r>
               <a:rPr lang="en-US" smtClean="0"/>
               <a:t>Click to edit Master text styles</a:t>
             </a:r>
           </a:p>
           <a:p>
-            <a:pPr lvl="1" eaLnBrk="1" latinLnBrk="0" hangingPunct="1"/>
+            <a:pPr lvl="1"/>
             <a:r>
               <a:rPr lang="en-US" smtClean="0"/>
               <a:t>Second level</a:t>
             </a:r>
           </a:p>
           <a:p>
-            <a:pPr lvl="2" eaLnBrk="1" latinLnBrk="0" hangingPunct="1"/>
+            <a:pPr lvl="2"/>
             <a:r>
               <a:rPr lang="en-US" smtClean="0"/>
               <a:t>Third level</a:t>
             </a:r>
           </a:p>
           <a:p>
-            <a:pPr lvl="3" eaLnBrk="1" latinLnBrk="0" hangingPunct="1"/>
+            <a:pPr lvl="3"/>
             <a:r>
               <a:rPr lang="en-US" smtClean="0"/>
               <a:t>Fourth level</a:t>
             </a:r>
           </a:p>
           <a:p>
-            <a:pPr lvl="4" eaLnBrk="1" latinLnBrk="0" hangingPunct="1"/>
+            <a:pPr lvl="4"/>
             <a:r>
               <a:rPr lang="en-US" smtClean="0"/>
               <a:t>Fifth level</a:t>
             </a:r>
-            <a:endParaRPr kumimoji="0" lang="en-US"/>
+            <a:endParaRPr lang="en-US"/>
           </a:p>
         </p:txBody>
       </p:sp>
@@ -1648,18 +1803,18 @@
         </p:nvSpPr>
         <p:spPr>
           <a:xfrm>
-            <a:off x="4267200" y="1600200"/>
-            <a:ext cx="3657600" cy="4525963"/>
+            <a:off x="4648200" y="1600200"/>
+            <a:ext cx="4038600" cy="4525963"/>
           </a:xfrm>
         </p:spPr>
         <p:txBody>
           <a:bodyPr/>
           <a:lstStyle>
             <a:lvl1pPr>
-              <a:defRPr sz="2600"/>
+              <a:defRPr sz="2800"/>
             </a:lvl1pPr>
             <a:lvl2pPr>
-              <a:defRPr sz="2200"/>
+              <a:defRPr sz="2400"/>
             </a:lvl2pPr>
             <a:lvl3pPr>
               <a:defRPr sz="2000"/>
@@ -1670,42 +1825,54 @@
             <a:lvl5pPr>
               <a:defRPr sz="1800"/>
             </a:lvl5pPr>
+            <a:lvl6pPr>
+              <a:defRPr sz="1800"/>
+            </a:lvl6pPr>
+            <a:lvl7pPr>
+              <a:defRPr sz="1800"/>
+            </a:lvl7pPr>
+            <a:lvl8pPr>
+              <a:defRPr sz="1800"/>
+            </a:lvl8pPr>
+            <a:lvl9pPr>
+              <a:defRPr sz="1800"/>
+            </a:lvl9pPr>
           </a:lstStyle>
           <a:p>
-            <a:pPr lvl="0" eaLnBrk="1" latinLnBrk="0" hangingPunct="1"/>
+            <a:pPr lvl="0"/>
             <a:r>
               <a:rPr lang="en-US" smtClean="0"/>
               <a:t>Click to edit Master text styles</a:t>
             </a:r>
           </a:p>
           <a:p>
-            <a:pPr lvl="1" eaLnBrk="1" latinLnBrk="0" hangingPunct="1"/>
+            <a:pPr lvl="1"/>
             <a:r>
               <a:rPr lang="en-US" smtClean="0"/>
               <a:t>Second level</a:t>
             </a:r>
           </a:p>
           <a:p>
-            <a:pPr lvl="2" eaLnBrk="1" latinLnBrk="0" hangingPunct="1"/>
+            <a:pPr lvl="2"/>
             <a:r>
               <a:rPr lang="en-US" smtClean="0"/>
               <a:t>Third level</a:t>
             </a:r>
           </a:p>
           <a:p>
-            <a:pPr lvl="3" eaLnBrk="1" latinLnBrk="0" hangingPunct="1"/>
+            <a:pPr lvl="3"/>
             <a:r>
               <a:rPr lang="en-US" smtClean="0"/>
               <a:t>Fourth level</a:t>
             </a:r>
           </a:p>
           <a:p>
-            <a:pPr lvl="4" eaLnBrk="1" latinLnBrk="0" hangingPunct="1"/>
+            <a:pPr lvl="4"/>
             <a:r>
               <a:rPr lang="en-US" smtClean="0"/>
               <a:t>Fifth level</a:t>
             </a:r>
-            <a:endParaRPr kumimoji="0" lang="en-US"/>
+            <a:endParaRPr lang="en-US"/>
           </a:p>
         </p:txBody>
       </p:sp>
@@ -1775,6 +1942,11 @@
         </p:txBody>
       </p:sp>
     </p:spTree>
+    <p:extLst>
+      <p:ext uri="{BB962C8B-B14F-4D97-AF65-F5344CB8AC3E}">
+        <p14:creationId xmlns:p14="http://schemas.microsoft.com/office/powerpoint/2010/main" val="1646443130"/>
+      </p:ext>
+    </p:extLst>
   </p:cSld>
   <p:clrMapOvr>
     <a:masterClrMapping/>
@@ -1783,7 +1955,7 @@
 </file>
 
 <file path=ppt/slideLayouts/slideLayout5.xml><?xml version="1.0" encoding="utf-8"?>
-<p:sldLayout xmlns:a="http://schemas.openxmlformats.org/drawingml/2006/main" xmlns:r="http://schemas.openxmlformats.org/officeDocument/2006/relationships" xmlns:p="http://schemas.openxmlformats.org/presentationml/2006/main" showMasterSp="0" type="twoTxTwoObj" preserve="1">
+<p:sldLayout xmlns:a="http://schemas.openxmlformats.org/drawingml/2006/main" xmlns:r="http://schemas.openxmlformats.org/officeDocument/2006/relationships" xmlns:p="http://schemas.openxmlformats.org/presentationml/2006/main" type="twoTxTwoObj" preserve="1">
   <p:cSld name="Comparison">
     <p:spTree>
       <p:nvGrpSpPr>
@@ -1809,14 +1981,9 @@
             <p:ph type="title"/>
           </p:nvPr>
         </p:nvSpPr>
-        <p:spPr>
-          <a:xfrm>
-            <a:off x="457200" y="273050"/>
-            <a:ext cx="8229600" cy="1143000"/>
-          </a:xfrm>
-        </p:spPr>
-        <p:txBody>
-          <a:bodyPr anchor="ctr"/>
+        <p:spPr/>
+        <p:txBody>
+          <a:bodyPr/>
           <a:lstStyle>
             <a:lvl1pPr>
               <a:defRPr/>
@@ -1824,10 +1991,10 @@
           </a:lstStyle>
           <a:p>
             <a:r>
-              <a:rPr kumimoji="0" lang="en-US" smtClean="0"/>
+              <a:rPr lang="en-US" smtClean="0"/>
               <a:t>Click to edit Master title style</a:t>
             </a:r>
-            <a:endParaRPr kumimoji="0" lang="en-US"/>
+            <a:endParaRPr lang="en-US"/>
           </a:p>
         </p:txBody>
       </p:sp>
@@ -1843,42 +2010,54 @@
         </p:nvSpPr>
         <p:spPr>
           <a:xfrm>
-            <a:off x="457200" y="5486400"/>
-            <a:ext cx="4040188" cy="838200"/>
+            <a:off x="457200" y="1535113"/>
+            <a:ext cx="4040188" cy="639762"/>
           </a:xfrm>
         </p:spPr>
         <p:txBody>
-          <a:bodyPr anchor="t"/>
+          <a:bodyPr anchor="b"/>
           <a:lstStyle>
             <a:lvl1pPr marL="0" indent="0">
               <a:buNone/>
-              <a:defRPr sz="2400" b="1">
-                <a:solidFill>
-                  <a:schemeClr val="accent1"/>
-                </a:solidFill>
-              </a:defRPr>
+              <a:defRPr sz="2400" b="1"/>
             </a:lvl1pPr>
-            <a:lvl2pPr>
+            <a:lvl2pPr marL="457200" indent="0">
               <a:buNone/>
               <a:defRPr sz="2000" b="1"/>
             </a:lvl2pPr>
-            <a:lvl3pPr>
+            <a:lvl3pPr marL="914400" indent="0">
               <a:buNone/>
               <a:defRPr sz="1800" b="1"/>
             </a:lvl3pPr>
-            <a:lvl4pPr>
+            <a:lvl4pPr marL="1371600" indent="0">
               <a:buNone/>
               <a:defRPr sz="1600" b="1"/>
             </a:lvl4pPr>
-            <a:lvl5pPr>
+            <a:lvl5pPr marL="1828800" indent="0">
               <a:buNone/>
               <a:defRPr sz="1600" b="1"/>
             </a:lvl5pPr>
+            <a:lvl6pPr marL="2286000" indent="0">
+              <a:buNone/>
+              <a:defRPr sz="1600" b="1"/>
+            </a:lvl6pPr>
+            <a:lvl7pPr marL="2743200" indent="0">
+              <a:buNone/>
+              <a:defRPr sz="1600" b="1"/>
+            </a:lvl7pPr>
+            <a:lvl8pPr marL="3200400" indent="0">
+              <a:buNone/>
+              <a:defRPr sz="1600" b="1"/>
+            </a:lvl8pPr>
+            <a:lvl9pPr marL="3657600" indent="0">
+              <a:buNone/>
+              <a:defRPr sz="1600" b="1"/>
+            </a:lvl9pPr>
           </a:lstStyle>
           <a:p>
-            <a:pPr lvl="0" eaLnBrk="1" latinLnBrk="0" hangingPunct="1"/>
-            <a:r>
-              <a:rPr kumimoji="0" lang="en-US" smtClean="0"/>
+            <a:pPr lvl="0"/>
+            <a:r>
+              <a:rPr lang="en-US" smtClean="0"/>
               <a:t>Click to edit Master text styles</a:t>
             </a:r>
           </a:p>
@@ -1886,71 +2065,18 @@
       </p:sp>
       <p:sp>
         <p:nvSpPr>
-          <p:cNvPr id="4" name="Text Placeholder 3"/>
-          <p:cNvSpPr>
-            <a:spLocks noGrp="1"/>
-          </p:cNvSpPr>
-          <p:nvPr>
-            <p:ph type="body" sz="half" idx="3"/>
+          <p:cNvPr id="4" name="Content Placeholder 3"/>
+          <p:cNvSpPr>
+            <a:spLocks noGrp="1"/>
+          </p:cNvSpPr>
+          <p:nvPr>
+            <p:ph sz="half" idx="2"/>
           </p:nvPr>
         </p:nvSpPr>
         <p:spPr>
           <a:xfrm>
-            <a:off x="4645025" y="5486400"/>
-            <a:ext cx="4041775" cy="838200"/>
-          </a:xfrm>
-        </p:spPr>
-        <p:txBody>
-          <a:bodyPr anchor="t"/>
-          <a:lstStyle>
-            <a:lvl1pPr marL="0" indent="0">
-              <a:buNone/>
-              <a:defRPr sz="2400" b="1">
-                <a:solidFill>
-                  <a:schemeClr val="accent1"/>
-                </a:solidFill>
-              </a:defRPr>
-            </a:lvl1pPr>
-            <a:lvl2pPr>
-              <a:buNone/>
-              <a:defRPr sz="2000" b="1"/>
-            </a:lvl2pPr>
-            <a:lvl3pPr>
-              <a:buNone/>
-              <a:defRPr sz="1800" b="1"/>
-            </a:lvl3pPr>
-            <a:lvl4pPr>
-              <a:buNone/>
-              <a:defRPr sz="1600" b="1"/>
-            </a:lvl4pPr>
-            <a:lvl5pPr>
-              <a:buNone/>
-              <a:defRPr sz="1600" b="1"/>
-            </a:lvl5pPr>
-          </a:lstStyle>
-          <a:p>
-            <a:pPr lvl="0" eaLnBrk="1" latinLnBrk="0" hangingPunct="1"/>
-            <a:r>
-              <a:rPr kumimoji="0" lang="en-US" smtClean="0"/>
-              <a:t>Click to edit Master text styles</a:t>
-            </a:r>
-          </a:p>
-        </p:txBody>
-      </p:sp>
-      <p:sp>
-        <p:nvSpPr>
-          <p:cNvPr id="5" name="Content Placeholder 4"/>
-          <p:cNvSpPr>
-            <a:spLocks noGrp="1"/>
-          </p:cNvSpPr>
-          <p:nvPr>
-            <p:ph sz="quarter" idx="2"/>
-          </p:nvPr>
-        </p:nvSpPr>
-        <p:spPr>
-          <a:xfrm>
-            <a:off x="457200" y="1516912"/>
-            <a:ext cx="4040188" cy="3941763"/>
+            <a:off x="457200" y="2174875"/>
+            <a:ext cx="4040188" cy="3951288"/>
           </a:xfrm>
         </p:spPr>
         <p:txBody>
@@ -1971,59 +2097,136 @@
             <a:lvl5pPr>
               <a:defRPr sz="1600"/>
             </a:lvl5pPr>
+            <a:lvl6pPr>
+              <a:defRPr sz="1600"/>
+            </a:lvl6pPr>
+            <a:lvl7pPr>
+              <a:defRPr sz="1600"/>
+            </a:lvl7pPr>
+            <a:lvl8pPr>
+              <a:defRPr sz="1600"/>
+            </a:lvl8pPr>
+            <a:lvl9pPr>
+              <a:defRPr sz="1600"/>
+            </a:lvl9pPr>
           </a:lstStyle>
           <a:p>
-            <a:pPr lvl="0" eaLnBrk="1" latinLnBrk="0" hangingPunct="1"/>
+            <a:pPr lvl="0"/>
             <a:r>
               <a:rPr lang="en-US" smtClean="0"/>
               <a:t>Click to edit Master text styles</a:t>
             </a:r>
           </a:p>
           <a:p>
-            <a:pPr lvl="1" eaLnBrk="1" latinLnBrk="0" hangingPunct="1"/>
+            <a:pPr lvl="1"/>
             <a:r>
               <a:rPr lang="en-US" smtClean="0"/>
               <a:t>Second level</a:t>
             </a:r>
           </a:p>
           <a:p>
-            <a:pPr lvl="2" eaLnBrk="1" latinLnBrk="0" hangingPunct="1"/>
+            <a:pPr lvl="2"/>
             <a:r>
               <a:rPr lang="en-US" smtClean="0"/>
               <a:t>Third level</a:t>
             </a:r>
           </a:p>
           <a:p>
-            <a:pPr lvl="3" eaLnBrk="1" latinLnBrk="0" hangingPunct="1"/>
+            <a:pPr lvl="3"/>
             <a:r>
               <a:rPr lang="en-US" smtClean="0"/>
               <a:t>Fourth level</a:t>
             </a:r>
           </a:p>
           <a:p>
-            <a:pPr lvl="4" eaLnBrk="1" latinLnBrk="0" hangingPunct="1"/>
+            <a:pPr lvl="4"/>
             <a:r>
               <a:rPr lang="en-US" smtClean="0"/>
               <a:t>Fifth level</a:t>
             </a:r>
-            <a:endParaRPr kumimoji="0" lang="en-US"/>
-          </a:p>
-        </p:txBody>
-      </p:sp>
-      <p:sp>
-        <p:nvSpPr>
-          <p:cNvPr id="6" name="Content Placeholder 5"/>
-          <p:cNvSpPr>
-            <a:spLocks noGrp="1"/>
-          </p:cNvSpPr>
-          <p:nvPr>
-            <p:ph sz="quarter" idx="4"/>
+            <a:endParaRPr lang="en-US"/>
+          </a:p>
+        </p:txBody>
+      </p:sp>
+      <p:sp>
+        <p:nvSpPr>
+          <p:cNvPr id="5" name="Text Placeholder 4"/>
+          <p:cNvSpPr>
+            <a:spLocks noGrp="1"/>
+          </p:cNvSpPr>
+          <p:nvPr>
+            <p:ph type="body" sz="quarter" idx="3"/>
           </p:nvPr>
         </p:nvSpPr>
         <p:spPr>
           <a:xfrm>
-            <a:off x="4645025" y="1516912"/>
-            <a:ext cx="4041775" cy="3941763"/>
+            <a:off x="4645025" y="1535113"/>
+            <a:ext cx="4041775" cy="639762"/>
+          </a:xfrm>
+        </p:spPr>
+        <p:txBody>
+          <a:bodyPr anchor="b"/>
+          <a:lstStyle>
+            <a:lvl1pPr marL="0" indent="0">
+              <a:buNone/>
+              <a:defRPr sz="2400" b="1"/>
+            </a:lvl1pPr>
+            <a:lvl2pPr marL="457200" indent="0">
+              <a:buNone/>
+              <a:defRPr sz="2000" b="1"/>
+            </a:lvl2pPr>
+            <a:lvl3pPr marL="914400" indent="0">
+              <a:buNone/>
+              <a:defRPr sz="1800" b="1"/>
+            </a:lvl3pPr>
+            <a:lvl4pPr marL="1371600" indent="0">
+              <a:buNone/>
+              <a:defRPr sz="1600" b="1"/>
+            </a:lvl4pPr>
+            <a:lvl5pPr marL="1828800" indent="0">
+              <a:buNone/>
+              <a:defRPr sz="1600" b="1"/>
+            </a:lvl5pPr>
+            <a:lvl6pPr marL="2286000" indent="0">
+              <a:buNone/>
+              <a:defRPr sz="1600" b="1"/>
+            </a:lvl6pPr>
+            <a:lvl7pPr marL="2743200" indent="0">
+              <a:buNone/>
+              <a:defRPr sz="1600" b="1"/>
+            </a:lvl7pPr>
+            <a:lvl8pPr marL="3200400" indent="0">
+              <a:buNone/>
+              <a:defRPr sz="1600" b="1"/>
+            </a:lvl8pPr>
+            <a:lvl9pPr marL="3657600" indent="0">
+              <a:buNone/>
+              <a:defRPr sz="1600" b="1"/>
+            </a:lvl9pPr>
+          </a:lstStyle>
+          <a:p>
+            <a:pPr lvl="0"/>
+            <a:r>
+              <a:rPr lang="en-US" smtClean="0"/>
+              <a:t>Click to edit Master text styles</a:t>
+            </a:r>
+          </a:p>
+        </p:txBody>
+      </p:sp>
+      <p:sp>
+        <p:nvSpPr>
+          <p:cNvPr id="6" name="Content Placeholder 5"/>
+          <p:cNvSpPr>
+            <a:spLocks noGrp="1"/>
+          </p:cNvSpPr>
+          <p:nvPr>
+            <p:ph sz="quarter" idx="4"/>
+          </p:nvPr>
+        </p:nvSpPr>
+        <p:spPr>
+          <a:xfrm>
+            <a:off x="4645025" y="2174875"/>
+            <a:ext cx="4041775" cy="3951288"/>
           </a:xfrm>
         </p:spPr>
         <p:txBody>
@@ -2044,42 +2247,54 @@
             <a:lvl5pPr>
               <a:defRPr sz="1600"/>
             </a:lvl5pPr>
+            <a:lvl6pPr>
+              <a:defRPr sz="1600"/>
+            </a:lvl6pPr>
+            <a:lvl7pPr>
+              <a:defRPr sz="1600"/>
+            </a:lvl7pPr>
+            <a:lvl8pPr>
+              <a:defRPr sz="1600"/>
+            </a:lvl8pPr>
+            <a:lvl9pPr>
+              <a:defRPr sz="1600"/>
+            </a:lvl9pPr>
           </a:lstStyle>
           <a:p>
-            <a:pPr lvl="0" eaLnBrk="1" latinLnBrk="0" hangingPunct="1"/>
+            <a:pPr lvl="0"/>
             <a:r>
               <a:rPr lang="en-US" smtClean="0"/>
               <a:t>Click to edit Master text styles</a:t>
             </a:r>
           </a:p>
           <a:p>
-            <a:pPr lvl="1" eaLnBrk="1" latinLnBrk="0" hangingPunct="1"/>
+            <a:pPr lvl="1"/>
             <a:r>
               <a:rPr lang="en-US" smtClean="0"/>
               <a:t>Second level</a:t>
             </a:r>
           </a:p>
           <a:p>
-            <a:pPr lvl="2" eaLnBrk="1" latinLnBrk="0" hangingPunct="1"/>
+            <a:pPr lvl="2"/>
             <a:r>
               <a:rPr lang="en-US" smtClean="0"/>
               <a:t>Third level</a:t>
             </a:r>
           </a:p>
           <a:p>
-            <a:pPr lvl="3" eaLnBrk="1" latinLnBrk="0" hangingPunct="1"/>
+            <a:pPr lvl="3"/>
             <a:r>
               <a:rPr lang="en-US" smtClean="0"/>
               <a:t>Fourth level</a:t>
             </a:r>
           </a:p>
           <a:p>
-            <a:pPr lvl="4" eaLnBrk="1" latinLnBrk="0" hangingPunct="1"/>
+            <a:pPr lvl="4"/>
             <a:r>
               <a:rPr lang="en-US" smtClean="0"/>
               <a:t>Fifth level</a:t>
             </a:r>
-            <a:endParaRPr kumimoji="0" lang="en-US"/>
+            <a:endParaRPr lang="en-US"/>
           </a:p>
         </p:txBody>
       </p:sp>
@@ -2149,6 +2364,11 @@
         </p:txBody>
       </p:sp>
     </p:spTree>
+    <p:extLst>
+      <p:ext uri="{BB962C8B-B14F-4D97-AF65-F5344CB8AC3E}">
+        <p14:creationId xmlns:p14="http://schemas.microsoft.com/office/powerpoint/2010/main" val="566975650"/>
+      </p:ext>
+    </p:extLst>
   </p:cSld>
   <p:clrMapOvr>
     <a:masterClrMapping/>
@@ -2183,31 +2403,22 @@
             <p:ph type="title"/>
           </p:nvPr>
         </p:nvSpPr>
-        <p:spPr>
-          <a:xfrm>
-            <a:off x="457200" y="274320"/>
-            <a:ext cx="7470648" cy="1143000"/>
-          </a:xfrm>
-        </p:spPr>
-        <p:txBody>
-          <a:bodyPr anchor="ctr"/>
-          <a:lstStyle>
-            <a:lvl1pPr algn="l">
-              <a:defRPr sz="4600"/>
-            </a:lvl1pPr>
-          </a:lstStyle>
-          <a:p>
-            <a:r>
-              <a:rPr kumimoji="0" lang="en-US" smtClean="0"/>
+        <p:spPr/>
+        <p:txBody>
+          <a:bodyPr/>
+          <a:lstStyle/>
+          <a:p>
+            <a:r>
+              <a:rPr lang="en-US" smtClean="0"/>
               <a:t>Click to edit Master title style</a:t>
             </a:r>
-            <a:endParaRPr kumimoji="0" lang="en-US"/>
-          </a:p>
-        </p:txBody>
-      </p:sp>
-      <p:sp>
-        <p:nvSpPr>
-          <p:cNvPr id="7" name="Date Placeholder 6"/>
+            <a:endParaRPr lang="en-US"/>
+          </a:p>
+        </p:txBody>
+      </p:sp>
+      <p:sp>
+        <p:nvSpPr>
+          <p:cNvPr id="3" name="Date Placeholder 2"/>
           <p:cNvSpPr>
             <a:spLocks noGrp="1"/>
           </p:cNvSpPr>
@@ -2230,12 +2441,31 @@
       </p:sp>
       <p:sp>
         <p:nvSpPr>
-          <p:cNvPr id="8" name="Slide Number Placeholder 7"/>
-          <p:cNvSpPr>
-            <a:spLocks noGrp="1"/>
-          </p:cNvSpPr>
-          <p:nvPr>
-            <p:ph type="sldNum" sz="quarter" idx="11"/>
+          <p:cNvPr id="4" name="Footer Placeholder 3"/>
+          <p:cNvSpPr>
+            <a:spLocks noGrp="1"/>
+          </p:cNvSpPr>
+          <p:nvPr>
+            <p:ph type="ftr" sz="quarter" idx="11"/>
+          </p:nvPr>
+        </p:nvSpPr>
+        <p:spPr/>
+        <p:txBody>
+          <a:bodyPr/>
+          <a:lstStyle/>
+          <a:p>
+            <a:endParaRPr lang="en-US"/>
+          </a:p>
+        </p:txBody>
+      </p:sp>
+      <p:sp>
+        <p:nvSpPr>
+          <p:cNvPr id="5" name="Slide Number Placeholder 4"/>
+          <p:cNvSpPr>
+            <a:spLocks noGrp="1"/>
+          </p:cNvSpPr>
+          <p:nvPr>
+            <p:ph type="sldNum" sz="quarter" idx="12"/>
           </p:nvPr>
         </p:nvSpPr>
         <p:spPr/>
@@ -2251,26 +2481,12 @@
           </a:p>
         </p:txBody>
       </p:sp>
-      <p:sp>
-        <p:nvSpPr>
-          <p:cNvPr id="9" name="Footer Placeholder 8"/>
-          <p:cNvSpPr>
-            <a:spLocks noGrp="1"/>
-          </p:cNvSpPr>
-          <p:nvPr>
-            <p:ph type="ftr" sz="quarter" idx="12"/>
-          </p:nvPr>
-        </p:nvSpPr>
-        <p:spPr/>
-        <p:txBody>
-          <a:bodyPr/>
-          <a:lstStyle/>
-          <a:p>
-            <a:endParaRPr lang="en-US"/>
-          </a:p>
-        </p:txBody>
-      </p:sp>
     </p:spTree>
+    <p:extLst>
+      <p:ext uri="{BB962C8B-B14F-4D97-AF65-F5344CB8AC3E}">
+        <p14:creationId xmlns:p14="http://schemas.microsoft.com/office/powerpoint/2010/main" val="3061751571"/>
+      </p:ext>
+    </p:extLst>
   </p:cSld>
   <p:clrMapOvr>
     <a:masterClrMapping/>
@@ -2361,6 +2577,11 @@
         </p:txBody>
       </p:sp>
     </p:spTree>
+    <p:extLst>
+      <p:ext uri="{BB962C8B-B14F-4D97-AF65-F5344CB8AC3E}">
+        <p14:creationId xmlns:p14="http://schemas.microsoft.com/office/powerpoint/2010/main" val="2457444090"/>
+      </p:ext>
+    </p:extLst>
   </p:cSld>
   <p:clrMapOvr>
     <a:masterClrMapping/>
@@ -2397,107 +2618,53 @@
         </p:nvSpPr>
         <p:spPr>
           <a:xfrm>
-            <a:off x="457200" y="1185528"/>
-            <a:ext cx="3200400" cy="730250"/>
+            <a:off x="457200" y="273050"/>
+            <a:ext cx="3008313" cy="1162050"/>
           </a:xfrm>
         </p:spPr>
         <p:txBody>
-          <a:bodyPr tIns="0" bIns="0" anchor="t"/>
+          <a:bodyPr anchor="b"/>
           <a:lstStyle>
             <a:lvl1pPr algn="l">
-              <a:buNone/>
-              <a:defRPr sz="1800" b="1">
-                <a:solidFill>
-                  <a:schemeClr val="accent1"/>
-                </a:solidFill>
-              </a:defRPr>
+              <a:defRPr sz="2000" b="1"/>
             </a:lvl1pPr>
           </a:lstStyle>
           <a:p>
             <a:r>
-              <a:rPr kumimoji="0" lang="en-US" smtClean="0"/>
+              <a:rPr lang="en-US" smtClean="0"/>
               <a:t>Click to edit Master title style</a:t>
             </a:r>
-            <a:endParaRPr kumimoji="0" lang="en-US"/>
-          </a:p>
-        </p:txBody>
-      </p:sp>
-      <p:sp>
-        <p:nvSpPr>
-          <p:cNvPr id="3" name="Text Placeholder 2"/>
-          <p:cNvSpPr>
-            <a:spLocks noGrp="1"/>
-          </p:cNvSpPr>
-          <p:nvPr>
-            <p:ph type="body" idx="2"/>
+            <a:endParaRPr lang="en-US"/>
+          </a:p>
+        </p:txBody>
+      </p:sp>
+      <p:sp>
+        <p:nvSpPr>
+          <p:cNvPr id="3" name="Content Placeholder 2"/>
+          <p:cNvSpPr>
+            <a:spLocks noGrp="1"/>
+          </p:cNvSpPr>
+          <p:nvPr>
+            <p:ph idx="1"/>
           </p:nvPr>
         </p:nvSpPr>
         <p:spPr>
           <a:xfrm>
-            <a:off x="457200" y="214424"/>
-            <a:ext cx="2743200" cy="914400"/>
+            <a:off x="3575050" y="273050"/>
+            <a:ext cx="5111750" cy="5853113"/>
           </a:xfrm>
         </p:spPr>
         <p:txBody>
-          <a:bodyPr lIns="45720" tIns="0" rIns="45720" bIns="0" anchor="b"/>
+          <a:bodyPr/>
           <a:lstStyle>
-            <a:lvl1pPr marL="0" indent="0" algn="l">
-              <a:buNone/>
-              <a:defRPr sz="1400"/>
+            <a:lvl1pPr>
+              <a:defRPr sz="3200"/>
             </a:lvl1pPr>
             <a:lvl2pPr>
-              <a:buNone/>
-              <a:defRPr sz="1200"/>
+              <a:defRPr sz="2800"/>
             </a:lvl2pPr>
             <a:lvl3pPr>
-              <a:buNone/>
-              <a:defRPr sz="1000"/>
-            </a:lvl3pPr>
-            <a:lvl4pPr>
-              <a:buNone/>
-              <a:defRPr sz="900"/>
-            </a:lvl4pPr>
-            <a:lvl5pPr>
-              <a:buNone/>
-              <a:defRPr sz="900"/>
-            </a:lvl5pPr>
-          </a:lstStyle>
-          <a:p>
-            <a:pPr lvl="0" eaLnBrk="1" latinLnBrk="0" hangingPunct="1"/>
-            <a:r>
-              <a:rPr kumimoji="0" lang="en-US" smtClean="0"/>
-              <a:t>Click to edit Master text styles</a:t>
-            </a:r>
-          </a:p>
-        </p:txBody>
-      </p:sp>
-      <p:sp>
-        <p:nvSpPr>
-          <p:cNvPr id="4" name="Content Placeholder 3"/>
-          <p:cNvSpPr>
-            <a:spLocks noGrp="1"/>
-          </p:cNvSpPr>
-          <p:nvPr>
-            <p:ph sz="half" idx="1"/>
-          </p:nvPr>
-        </p:nvSpPr>
-        <p:spPr>
-          <a:xfrm>
-            <a:off x="457200" y="1981200"/>
-            <a:ext cx="7086600" cy="3810000"/>
-          </a:xfrm>
-        </p:spPr>
-        <p:txBody>
-          <a:bodyPr/>
-          <a:lstStyle>
-            <a:lvl1pPr>
-              <a:defRPr sz="2800"/>
-            </a:lvl1pPr>
-            <a:lvl2pPr>
               <a:defRPr sz="2400"/>
-            </a:lvl2pPr>
-            <a:lvl3pPr>
-              <a:defRPr sz="2200"/>
             </a:lvl3pPr>
             <a:lvl4pPr>
               <a:defRPr sz="2000"/>
@@ -2505,42 +2672,119 @@
             <a:lvl5pPr>
               <a:defRPr sz="2000"/>
             </a:lvl5pPr>
+            <a:lvl6pPr>
+              <a:defRPr sz="2000"/>
+            </a:lvl6pPr>
+            <a:lvl7pPr>
+              <a:defRPr sz="2000"/>
+            </a:lvl7pPr>
+            <a:lvl8pPr>
+              <a:defRPr sz="2000"/>
+            </a:lvl8pPr>
+            <a:lvl9pPr>
+              <a:defRPr sz="2000"/>
+            </a:lvl9pPr>
           </a:lstStyle>
           <a:p>
-            <a:pPr lvl="0" eaLnBrk="1" latinLnBrk="0" hangingPunct="1"/>
+            <a:pPr lvl="0"/>
             <a:r>
               <a:rPr lang="en-US" smtClean="0"/>
               <a:t>Click to edit Master text styles</a:t>
             </a:r>
           </a:p>
           <a:p>
-            <a:pPr lvl="1" eaLnBrk="1" latinLnBrk="0" hangingPunct="1"/>
+            <a:pPr lvl="1"/>
             <a:r>
               <a:rPr lang="en-US" smtClean="0"/>
               <a:t>Second level</a:t>
             </a:r>
           </a:p>
           <a:p>
-            <a:pPr lvl="2" eaLnBrk="1" latinLnBrk="0" hangingPunct="1"/>
+            <a:pPr lvl="2"/>
             <a:r>
               <a:rPr lang="en-US" smtClean="0"/>
               <a:t>Third level</a:t>
             </a:r>
           </a:p>
           <a:p>
-            <a:pPr lvl="3" eaLnBrk="1" latinLnBrk="0" hangingPunct="1"/>
+            <a:pPr lvl="3"/>
             <a:r>
               <a:rPr lang="en-US" smtClean="0"/>
               <a:t>Fourth level</a:t>
             </a:r>
           </a:p>
           <a:p>
-            <a:pPr lvl="4" eaLnBrk="1" latinLnBrk="0" hangingPunct="1"/>
+            <a:pPr lvl="4"/>
             <a:r>
               <a:rPr lang="en-US" smtClean="0"/>
               <a:t>Fifth level</a:t>
             </a:r>
-            <a:endParaRPr kumimoji="0" lang="en-US"/>
+            <a:endParaRPr lang="en-US"/>
+          </a:p>
+        </p:txBody>
+      </p:sp>
+      <p:sp>
+        <p:nvSpPr>
+          <p:cNvPr id="4" name="Text Placeholder 3"/>
+          <p:cNvSpPr>
+            <a:spLocks noGrp="1"/>
+          </p:cNvSpPr>
+          <p:nvPr>
+            <p:ph type="body" sz="half" idx="2"/>
+          </p:nvPr>
+        </p:nvSpPr>
+        <p:spPr>
+          <a:xfrm>
+            <a:off x="457200" y="1435100"/>
+            <a:ext cx="3008313" cy="4691063"/>
+          </a:xfrm>
+        </p:spPr>
+        <p:txBody>
+          <a:bodyPr/>
+          <a:lstStyle>
+            <a:lvl1pPr marL="0" indent="0">
+              <a:buNone/>
+              <a:defRPr sz="1400"/>
+            </a:lvl1pPr>
+            <a:lvl2pPr marL="457200" indent="0">
+              <a:buNone/>
+              <a:defRPr sz="1200"/>
+            </a:lvl2pPr>
+            <a:lvl3pPr marL="914400" indent="0">
+              <a:buNone/>
+              <a:defRPr sz="1000"/>
+            </a:lvl3pPr>
+            <a:lvl4pPr marL="1371600" indent="0">
+              <a:buNone/>
+              <a:defRPr sz="900"/>
+            </a:lvl4pPr>
+            <a:lvl5pPr marL="1828800" indent="0">
+              <a:buNone/>
+              <a:defRPr sz="900"/>
+            </a:lvl5pPr>
+            <a:lvl6pPr marL="2286000" indent="0">
+              <a:buNone/>
+              <a:defRPr sz="900"/>
+            </a:lvl6pPr>
+            <a:lvl7pPr marL="2743200" indent="0">
+              <a:buNone/>
+              <a:defRPr sz="900"/>
+            </a:lvl7pPr>
+            <a:lvl8pPr marL="3200400" indent="0">
+              <a:buNone/>
+              <a:defRPr sz="900"/>
+            </a:lvl8pPr>
+            <a:lvl9pPr marL="3657600" indent="0">
+              <a:buNone/>
+              <a:defRPr sz="900"/>
+            </a:lvl9pPr>
+          </a:lstStyle>
+          <a:p>
+            <a:pPr lvl="0"/>
+            <a:r>
+              <a:rPr lang="en-US" smtClean="0"/>
+              <a:t>Click to edit Master text styles</a:t>
+            </a:r>
           </a:p>
         </p:txBody>
       </p:sp>
@@ -2596,12 +2840,7 @@
             <p:ph type="sldNum" sz="quarter" idx="12"/>
           </p:nvPr>
         </p:nvSpPr>
-        <p:spPr>
-          <a:xfrm>
-            <a:off x="8156448" y="6422064"/>
-            <a:ext cx="762000" cy="365125"/>
-          </a:xfrm>
-        </p:spPr>
+        <p:spPr/>
         <p:txBody>
           <a:bodyPr/>
           <a:lstStyle/>
@@ -2615,6 +2854,11 @@
         </p:txBody>
       </p:sp>
     </p:spTree>
+    <p:extLst>
+      <p:ext uri="{BB962C8B-B14F-4D97-AF65-F5344CB8AC3E}">
+        <p14:creationId xmlns:p14="http://schemas.microsoft.com/office/powerpoint/2010/main" val="2745792824"/>
+      </p:ext>
+    </p:extLst>
   </p:cSld>
   <p:clrMapOvr>
     <a:masterClrMapping/>
@@ -2623,7 +2867,7 @@
 </file>
 
 <file path=ppt/slideLayouts/slideLayout9.xml><?xml version="1.0" encoding="utf-8"?>
-<p:sldLayout xmlns:a="http://schemas.openxmlformats.org/drawingml/2006/main" xmlns:r="http://schemas.openxmlformats.org/officeDocument/2006/relationships" xmlns:p="http://schemas.openxmlformats.org/presentationml/2006/main" showMasterSp="0" type="picTx" preserve="1">
+<p:sldLayout xmlns:a="http://schemas.openxmlformats.org/drawingml/2006/main" xmlns:r="http://schemas.openxmlformats.org/officeDocument/2006/relationships" xmlns:p="http://schemas.openxmlformats.org/presentationml/2006/main" type="picTx" preserve="1">
   <p:cSld name="Picture with Caption">
     <p:spTree>
       <p:nvGrpSpPr>
@@ -2651,28 +2895,23 @@
         </p:nvSpPr>
         <p:spPr>
           <a:xfrm>
-            <a:off x="5556732" y="1705709"/>
-            <a:ext cx="3053868" cy="1253808"/>
+            <a:off x="1792288" y="4800600"/>
+            <a:ext cx="5486400" cy="566738"/>
           </a:xfrm>
         </p:spPr>
         <p:txBody>
           <a:bodyPr anchor="b"/>
           <a:lstStyle>
             <a:lvl1pPr algn="l">
-              <a:buNone/>
-              <a:defRPr sz="2200" b="1">
-                <a:solidFill>
-                  <a:schemeClr val="accent1"/>
-                </a:solidFill>
-              </a:defRPr>
+              <a:defRPr sz="2000" b="1"/>
             </a:lvl1pPr>
           </a:lstStyle>
           <a:p>
             <a:r>
-              <a:rPr kumimoji="0" lang="en-US" smtClean="0"/>
+              <a:rPr lang="en-US" smtClean="0"/>
               <a:t>Click to edit Master title style</a:t>
             </a:r>
-            <a:endParaRPr kumimoji="0" lang="en-US"/>
+            <a:endParaRPr lang="en-US"/>
           </a:p>
         </p:txBody>
       </p:sp>
@@ -2688,44 +2927,9 @@
         </p:nvSpPr>
         <p:spPr>
           <a:xfrm>
-            <a:off x="1065628" y="1019907"/>
-            <a:ext cx="4114800" cy="4114800"/>
+            <a:off x="1792288" y="612775"/>
+            <a:ext cx="5486400" cy="4114800"/>
           </a:xfrm>
-          <a:prstGeom prst="ellipse">
-            <a:avLst/>
-          </a:prstGeom>
-          <a:solidFill>
-            <a:schemeClr val="bg2">
-              <a:shade val="50000"/>
-            </a:schemeClr>
-          </a:solidFill>
-          <a:ln w="50800" cap="flat">
-            <a:solidFill>
-              <a:schemeClr val="bg2"/>
-            </a:solidFill>
-            <a:miter lim="800000"/>
-          </a:ln>
-          <a:effectLst>
-            <a:outerShdw blurRad="152000" dist="345000" dir="5400000" sx="-80000" sy="-18000" rotWithShape="0">
-              <a:srgbClr val="000000">
-                <a:alpha val="25000"/>
-              </a:srgbClr>
-            </a:outerShdw>
-          </a:effectLst>
-          <a:scene3d>
-            <a:camera prst="orthographicFront"/>
-            <a:lightRig rig="contrasting" dir="t">
-              <a:rot lat="0" lon="0" rev="2400000"/>
-            </a:lightRig>
-          </a:scene3d>
-          <a:sp3d contourW="7620">
-            <a:bevelT w="63500" h="63500"/>
-            <a:contourClr>
-              <a:schemeClr val="bg2">
-                <a:shade val="50000"/>
-              </a:schemeClr>
-            </a:contourClr>
-          </a:sp3d>
         </p:spPr>
         <p:txBody>
           <a:bodyPr/>
@@ -2734,13 +2938,41 @@
               <a:buNone/>
               <a:defRPr sz="3200"/>
             </a:lvl1pPr>
+            <a:lvl2pPr marL="457200" indent="0">
+              <a:buNone/>
+              <a:defRPr sz="2800"/>
+            </a:lvl2pPr>
+            <a:lvl3pPr marL="914400" indent="0">
+              <a:buNone/>
+              <a:defRPr sz="2400"/>
+            </a:lvl3pPr>
+            <a:lvl4pPr marL="1371600" indent="0">
+              <a:buNone/>
+              <a:defRPr sz="2000"/>
+            </a:lvl4pPr>
+            <a:lvl5pPr marL="1828800" indent="0">
+              <a:buNone/>
+              <a:defRPr sz="2000"/>
+            </a:lvl5pPr>
+            <a:lvl6pPr marL="2286000" indent="0">
+              <a:buNone/>
+              <a:defRPr sz="2000"/>
+            </a:lvl6pPr>
+            <a:lvl7pPr marL="2743200" indent="0">
+              <a:buNone/>
+              <a:defRPr sz="2000"/>
+            </a:lvl7pPr>
+            <a:lvl8pPr marL="3200400" indent="0">
+              <a:buNone/>
+              <a:defRPr sz="2000"/>
+            </a:lvl8pPr>
+            <a:lvl9pPr marL="3657600" indent="0">
+              <a:buNone/>
+              <a:defRPr sz="2000"/>
+            </a:lvl9pPr>
           </a:lstStyle>
           <a:p>
-            <a:r>
-              <a:rPr kumimoji="0" lang="en-US" smtClean="0"/>
-              <a:t>Click icon to add picture</a:t>
-            </a:r>
-            <a:endParaRPr kumimoji="0" lang="en-US" dirty="0"/>
+            <a:endParaRPr lang="en-US"/>
           </a:p>
         </p:txBody>
       </p:sp>
@@ -2756,43 +2988,54 @@
         </p:nvSpPr>
         <p:spPr>
           <a:xfrm>
-            <a:off x="5556734" y="2998765"/>
-            <a:ext cx="3053866" cy="2663482"/>
+            <a:off x="1792288" y="5367338"/>
+            <a:ext cx="5486400" cy="804862"/>
           </a:xfrm>
         </p:spPr>
         <p:txBody>
-          <a:bodyPr lIns="45720" rIns="45720"/>
+          <a:bodyPr/>
           <a:lstStyle>
             <a:lvl1pPr marL="0" indent="0">
-              <a:buFontTx/>
-              <a:buNone/>
-              <a:defRPr sz="1200"/>
+              <a:buNone/>
+              <a:defRPr sz="1400"/>
             </a:lvl1pPr>
-            <a:lvl2pPr>
-              <a:buFontTx/>
+            <a:lvl2pPr marL="457200" indent="0">
               <a:buNone/>
               <a:defRPr sz="1200"/>
             </a:lvl2pPr>
-            <a:lvl3pPr>
-              <a:buFontTx/>
+            <a:lvl3pPr marL="914400" indent="0">
               <a:buNone/>
               <a:defRPr sz="1000"/>
             </a:lvl3pPr>
-            <a:lvl4pPr>
-              <a:buFontTx/>
+            <a:lvl4pPr marL="1371600" indent="0">
               <a:buNone/>
               <a:defRPr sz="900"/>
             </a:lvl4pPr>
-            <a:lvl5pPr>
-              <a:buFontTx/>
+            <a:lvl5pPr marL="1828800" indent="0">
               <a:buNone/>
               <a:defRPr sz="900"/>
             </a:lvl5pPr>
+            <a:lvl6pPr marL="2286000" indent="0">
+              <a:buNone/>
+              <a:defRPr sz="900"/>
+            </a:lvl6pPr>
+            <a:lvl7pPr marL="2743200" indent="0">
+              <a:buNone/>
+              <a:defRPr sz="900"/>
+            </a:lvl7pPr>
+            <a:lvl8pPr marL="3200400" indent="0">
+              <a:buNone/>
+              <a:defRPr sz="900"/>
+            </a:lvl8pPr>
+            <a:lvl9pPr marL="3657600" indent="0">
+              <a:buNone/>
+              <a:defRPr sz="900"/>
+            </a:lvl9pPr>
           </a:lstStyle>
           <a:p>
-            <a:pPr lvl="0" eaLnBrk="1" latinLnBrk="0" hangingPunct="1"/>
-            <a:r>
-              <a:rPr kumimoji="0" lang="en-US" smtClean="0"/>
+            <a:pPr lvl="0"/>
+            <a:r>
+              <a:rPr lang="en-US" smtClean="0"/>
               <a:t>Click to edit Master text styles</a:t>
             </a:r>
           </a:p>
@@ -2808,12 +3051,7 @@
             <p:ph type="dt" sz="half" idx="10"/>
           </p:nvPr>
         </p:nvSpPr>
-        <p:spPr>
-          <a:xfrm>
-            <a:off x="457200" y="6422064"/>
-            <a:ext cx="2133600" cy="365125"/>
-          </a:xfrm>
-        </p:spPr>
+        <p:spPr/>
         <p:txBody>
           <a:bodyPr/>
           <a:lstStyle/>
@@ -2869,6 +3107,11 @@
         </p:txBody>
       </p:sp>
     </p:spTree>
+    <p:extLst>
+      <p:ext uri="{BB962C8B-B14F-4D97-AF65-F5344CB8AC3E}">
+        <p14:creationId xmlns:p14="http://schemas.microsoft.com/office/powerpoint/2010/main" val="2656254156"/>
+      </p:ext>
+    </p:extLst>
   </p:cSld>
   <p:clrMapOvr>
     <a:masterClrMapping/>
@@ -2880,8 +3123,8 @@
 <p:sldMaster xmlns:a="http://schemas.openxmlformats.org/drawingml/2006/main" xmlns:r="http://schemas.openxmlformats.org/officeDocument/2006/relationships" xmlns:p="http://schemas.openxmlformats.org/presentationml/2006/main">
   <p:cSld>
     <p:bg>
-      <p:bgRef idx="1001">
-        <a:schemeClr val="bg2"/>
+      <p:bgRef idx="1003">
+        <a:schemeClr val="bg1"/>
       </p:bgRef>
     </p:bg>
     <p:spTree>
@@ -2900,203 +3143,7 @@
       </p:grpSpPr>
       <p:sp>
         <p:nvSpPr>
-          <p:cNvPr id="12" name="Freeform 11"/>
-          <p:cNvSpPr>
-            <a:spLocks/>
-          </p:cNvSpPr>
-          <p:nvPr/>
-        </p:nvSpPr>
-        <p:spPr bwMode="auto">
-          <a:xfrm>
-            <a:off x="0" y="4752126"/>
-            <a:ext cx="9144000" cy="2112962"/>
-          </a:xfrm>
-          <a:custGeom>
-            <a:avLst>
-              <a:gd name="A1" fmla="val 0"/>
-              <a:gd name="A2" fmla="val 0"/>
-              <a:gd name="A3" fmla="val 0"/>
-              <a:gd name="A4" fmla="val 0"/>
-              <a:gd name="A5" fmla="val 0"/>
-              <a:gd name="A6" fmla="val 0"/>
-              <a:gd name="A7" fmla="val 0"/>
-              <a:gd name="A8" fmla="val 0"/>
-            </a:avLst>
-            <a:gdLst/>
-            <a:ahLst/>
-            <a:cxnLst>
-              <a:cxn ang="0">
-                <a:pos x="0" y="1066"/>
-              </a:cxn>
-              <a:cxn ang="0">
-                <a:pos x="0" y="1331"/>
-              </a:cxn>
-              <a:cxn ang="0">
-                <a:pos x="5760" y="1331"/>
-              </a:cxn>
-              <a:cxn ang="0">
-                <a:pos x="5760" y="0"/>
-              </a:cxn>
-              <a:cxn ang="0">
-                <a:pos x="0" y="1066"/>
-              </a:cxn>
-            </a:cxnLst>
-            <a:rect l="0" t="0" r="0" b="0"/>
-            <a:pathLst>
-              <a:path w="5760" h="1331">
-                <a:moveTo>
-                  <a:pt x="0" y="1066"/>
-                </a:moveTo>
-                <a:lnTo>
-                  <a:pt x="0" y="1331"/>
-                </a:lnTo>
-                <a:lnTo>
-                  <a:pt x="5760" y="1331"/>
-                </a:lnTo>
-                <a:lnTo>
-                  <a:pt x="5760" y="0"/>
-                </a:lnTo>
-                <a:cubicBezTo>
-                  <a:pt x="3220" y="1206"/>
-                  <a:pt x="2250" y="1146"/>
-                  <a:pt x="0" y="1066"/>
-                </a:cubicBezTo>
-                <a:close/>
-              </a:path>
-            </a:pathLst>
-          </a:custGeom>
-          <a:solidFill>
-            <a:schemeClr val="bg1">
-              <a:tint val="80000"/>
-              <a:satMod val="200000"/>
-              <a:alpha val="45000"/>
-            </a:schemeClr>
-          </a:solidFill>
-          <a:ln w="9525" cap="flat" cmpd="sng" algn="ctr">
-            <a:noFill/>
-            <a:prstDash val="solid"/>
-            <a:round/>
-            <a:headEnd type="none" w="med" len="med"/>
-            <a:tailEnd type="none" w="med" len="med"/>
-          </a:ln>
-          <a:effectLst>
-            <a:outerShdw blurRad="50800" dist="44450" dir="16200000" algn="ctr" rotWithShape="0">
-              <a:prstClr val="black">
-                <a:alpha val="35000"/>
-              </a:prstClr>
-            </a:outerShdw>
-          </a:effectLst>
-        </p:spPr>
-        <p:txBody>
-          <a:bodyPr vert="horz" wrap="square" lIns="91440" tIns="45720" rIns="91440" bIns="45720" anchor="t" compatLnSpc="1"/>
-          <a:lstStyle/>
-          <a:p>
-            <a:endParaRPr kumimoji="0" lang="en-US"/>
-          </a:p>
-        </p:txBody>
-      </p:sp>
-      <p:sp>
-        <p:nvSpPr>
-          <p:cNvPr id="16" name="Freeform 15"/>
-          <p:cNvSpPr>
-            <a:spLocks/>
-          </p:cNvSpPr>
-          <p:nvPr/>
-        </p:nvSpPr>
-        <p:spPr bwMode="auto">
-          <a:xfrm>
-            <a:off x="7315200" y="0"/>
-            <a:ext cx="1828800" cy="6858000"/>
-          </a:xfrm>
-          <a:custGeom>
-            <a:avLst/>
-            <a:gdLst>
-              <a:gd name="connsiteX0" fmla="*/ 1914 w 1914"/>
-              <a:gd name="connsiteY0" fmla="*/ 9 h 4329"/>
-              <a:gd name="connsiteX1" fmla="*/ 1914 w 1914"/>
-              <a:gd name="connsiteY1" fmla="*/ 4329 h 4329"/>
-              <a:gd name="connsiteX2" fmla="*/ 204 w 1914"/>
-              <a:gd name="connsiteY2" fmla="*/ 4327 h 4329"/>
-              <a:gd name="connsiteX3" fmla="*/ 0 w 1914"/>
-              <a:gd name="connsiteY3" fmla="*/ 0 h 4329"/>
-              <a:gd name="connsiteX4" fmla="*/ 1914 w 1914"/>
-              <a:gd name="connsiteY4" fmla="*/ 9 h 4329"/>
-            </a:gdLst>
-            <a:ahLst/>
-            <a:cxnLst>
-              <a:cxn ang="0">
-                <a:pos x="connsiteX0" y="connsiteY0"/>
-              </a:cxn>
-              <a:cxn ang="0">
-                <a:pos x="connsiteX1" y="connsiteY1"/>
-              </a:cxn>
-              <a:cxn ang="0">
-                <a:pos x="connsiteX2" y="connsiteY2"/>
-              </a:cxn>
-              <a:cxn ang="0">
-                <a:pos x="connsiteX3" y="connsiteY3"/>
-              </a:cxn>
-              <a:cxn ang="0">
-                <a:pos x="connsiteX4" y="connsiteY4"/>
-              </a:cxn>
-            </a:cxnLst>
-            <a:rect l="l" t="t" r="r" b="b"/>
-            <a:pathLst>
-              <a:path w="1914" h="4329">
-                <a:moveTo>
-                  <a:pt x="1914" y="9"/>
-                </a:moveTo>
-                <a:lnTo>
-                  <a:pt x="1914" y="4329"/>
-                </a:lnTo>
-                <a:lnTo>
-                  <a:pt x="204" y="4327"/>
-                </a:lnTo>
-                <a:cubicBezTo>
-                  <a:pt x="1288" y="3574"/>
-                  <a:pt x="2082" y="1734"/>
-                  <a:pt x="0" y="0"/>
-                </a:cubicBezTo>
-                <a:lnTo>
-                  <a:pt x="1914" y="9"/>
-                </a:lnTo>
-                <a:close/>
-              </a:path>
-            </a:pathLst>
-          </a:custGeom>
-          <a:solidFill>
-            <a:schemeClr val="bg1">
-              <a:tint val="90000"/>
-              <a:satMod val="350000"/>
-              <a:alpha val="40000"/>
-            </a:schemeClr>
-          </a:solidFill>
-          <a:ln w="9525" cap="flat" cmpd="sng" algn="ctr">
-            <a:noFill/>
-            <a:prstDash val="solid"/>
-            <a:round/>
-            <a:headEnd type="none" w="med" len="med"/>
-            <a:tailEnd type="none" w="med" len="med"/>
-          </a:ln>
-          <a:effectLst>
-            <a:outerShdw blurRad="50800" dist="50800" dir="10800000" algn="ctr" rotWithShape="0">
-              <a:prstClr val="black">
-                <a:alpha val="45000"/>
-              </a:prstClr>
-            </a:outerShdw>
-          </a:effectLst>
-        </p:spPr>
-        <p:txBody>
-          <a:bodyPr vert="horz" wrap="square" lIns="91440" tIns="45720" rIns="91440" bIns="45720" anchor="t" compatLnSpc="1"/>
-          <a:lstStyle/>
-          <a:p>
-            <a:endParaRPr kumimoji="0" lang="en-US"/>
-          </a:p>
-        </p:txBody>
-      </p:sp>
-      <p:sp>
-        <p:nvSpPr>
-          <p:cNvPr id="9" name="Title Placeholder 8"/>
+          <p:cNvPr id="2" name="Title Placeholder 1"/>
           <p:cNvSpPr>
             <a:spLocks noGrp="1"/>
           </p:cNvSpPr>
@@ -3107,29 +3154,29 @@
         <p:spPr>
           <a:xfrm>
             <a:off x="457200" y="274638"/>
-            <a:ext cx="7467600" cy="1143000"/>
+            <a:ext cx="8229600" cy="1143000"/>
           </a:xfrm>
           <a:prstGeom prst="rect">
             <a:avLst/>
           </a:prstGeom>
         </p:spPr>
         <p:txBody>
-          <a:bodyPr vert="horz" lIns="45720" rIns="45720" anchor="ctr">
+          <a:bodyPr vert="horz" lIns="91440" tIns="45720" rIns="91440" bIns="45720" rtlCol="0" anchor="ctr">
             <a:normAutofit/>
           </a:bodyPr>
           <a:lstStyle/>
           <a:p>
             <a:r>
-              <a:rPr kumimoji="0" lang="en-US" smtClean="0"/>
+              <a:rPr lang="en-US" smtClean="0"/>
               <a:t>Click to edit Master title style</a:t>
             </a:r>
-            <a:endParaRPr kumimoji="0" lang="en-US"/>
-          </a:p>
-        </p:txBody>
-      </p:sp>
-      <p:sp>
-        <p:nvSpPr>
-          <p:cNvPr id="30" name="Text Placeholder 29"/>
+            <a:endParaRPr lang="en-US"/>
+          </a:p>
+        </p:txBody>
+      </p:sp>
+      <p:sp>
+        <p:nvSpPr>
+          <p:cNvPr id="3" name="Text Placeholder 2"/>
           <p:cNvSpPr>
             <a:spLocks noGrp="1"/>
           </p:cNvSpPr>
@@ -3140,58 +3187,58 @@
         <p:spPr>
           <a:xfrm>
             <a:off x="457200" y="1600200"/>
-            <a:ext cx="7467600" cy="4525963"/>
+            <a:ext cx="8229600" cy="4525963"/>
           </a:xfrm>
           <a:prstGeom prst="rect">
             <a:avLst/>
           </a:prstGeom>
         </p:spPr>
         <p:txBody>
-          <a:bodyPr vert="horz">
+          <a:bodyPr vert="horz" lIns="91440" tIns="45720" rIns="91440" bIns="45720" rtlCol="0">
             <a:normAutofit/>
           </a:bodyPr>
           <a:lstStyle/>
           <a:p>
-            <a:pPr lvl="0" eaLnBrk="1" latinLnBrk="0" hangingPunct="1"/>
-            <a:r>
-              <a:rPr kumimoji="0" lang="en-US" smtClean="0"/>
+            <a:pPr lvl="0"/>
+            <a:r>
+              <a:rPr lang="en-US" smtClean="0"/>
               <a:t>Click to edit Master text styles</a:t>
             </a:r>
           </a:p>
           <a:p>
-            <a:pPr lvl="1" eaLnBrk="1" latinLnBrk="0" hangingPunct="1"/>
-            <a:r>
-              <a:rPr kumimoji="0" lang="en-US" smtClean="0"/>
+            <a:pPr lvl="1"/>
+            <a:r>
+              <a:rPr lang="en-US" smtClean="0"/>
               <a:t>Second level</a:t>
             </a:r>
           </a:p>
           <a:p>
-            <a:pPr lvl="2" eaLnBrk="1" latinLnBrk="0" hangingPunct="1"/>
-            <a:r>
-              <a:rPr kumimoji="0" lang="en-US" smtClean="0"/>
+            <a:pPr lvl="2"/>
+            <a:r>
+              <a:rPr lang="en-US" smtClean="0"/>
               <a:t>Third level</a:t>
             </a:r>
           </a:p>
           <a:p>
-            <a:pPr lvl="3" eaLnBrk="1" latinLnBrk="0" hangingPunct="1"/>
-            <a:r>
-              <a:rPr kumimoji="0" lang="en-US" smtClean="0"/>
+            <a:pPr lvl="3"/>
+            <a:r>
+              <a:rPr lang="en-US" smtClean="0"/>
               <a:t>Fourth level</a:t>
             </a:r>
           </a:p>
           <a:p>
-            <a:pPr lvl="4" eaLnBrk="1" latinLnBrk="0" hangingPunct="1"/>
-            <a:r>
-              <a:rPr kumimoji="0" lang="en-US" smtClean="0"/>
+            <a:pPr lvl="4"/>
+            <a:r>
+              <a:rPr lang="en-US" smtClean="0"/>
               <a:t>Fifth level</a:t>
             </a:r>
-            <a:endParaRPr kumimoji="0" lang="en-US"/>
-          </a:p>
-        </p:txBody>
-      </p:sp>
-      <p:sp>
-        <p:nvSpPr>
-          <p:cNvPr id="10" name="Date Placeholder 9"/>
+            <a:endParaRPr lang="en-US"/>
+          </a:p>
+        </p:txBody>
+      </p:sp>
+      <p:sp>
+        <p:nvSpPr>
+          <p:cNvPr id="4" name="Date Placeholder 3"/>
           <p:cNvSpPr>
             <a:spLocks noGrp="1"/>
           </p:cNvSpPr>
@@ -3201,7 +3248,7 @@
         </p:nvSpPr>
         <p:spPr>
           <a:xfrm>
-            <a:off x="457200" y="6422064"/>
+            <a:off x="457200" y="6356350"/>
             <a:ext cx="2133600" cy="365125"/>
           </a:xfrm>
           <a:prstGeom prst="rect">
@@ -3209,13 +3256,13 @@
           </a:prstGeom>
         </p:spPr>
         <p:txBody>
-          <a:bodyPr vert="horz" bIns="0" anchor="b"/>
+          <a:bodyPr vert="horz" lIns="91440" tIns="45720" rIns="91440" bIns="45720" rtlCol="0" anchor="ctr"/>
           <a:lstStyle>
-            <a:lvl1pPr algn="l" eaLnBrk="1" latinLnBrk="0" hangingPunct="1">
-              <a:defRPr kumimoji="0" sz="1000">
+            <a:lvl1pPr algn="l">
+              <a:defRPr sz="1200">
                 <a:solidFill>
-                  <a:schemeClr val="tx2">
-                    <a:shade val="50000"/>
+                  <a:schemeClr val="tx1">
+                    <a:tint val="75000"/>
                   </a:schemeClr>
                 </a:solidFill>
               </a:defRPr>
@@ -3232,7 +3279,7 @@
       </p:sp>
       <p:sp>
         <p:nvSpPr>
-          <p:cNvPr id="22" name="Footer Placeholder 21"/>
+          <p:cNvPr id="5" name="Footer Placeholder 4"/>
           <p:cNvSpPr>
             <a:spLocks noGrp="1"/>
           </p:cNvSpPr>
@@ -3242,7 +3289,7 @@
         </p:nvSpPr>
         <p:spPr>
           <a:xfrm>
-            <a:off x="3124200" y="6422064"/>
+            <a:off x="3124200" y="6356350"/>
             <a:ext cx="2895600" cy="365125"/>
           </a:xfrm>
           <a:prstGeom prst="rect">
@@ -3250,13 +3297,13 @@
           </a:prstGeom>
         </p:spPr>
         <p:txBody>
-          <a:bodyPr vert="horz" lIns="0" rIns="0" bIns="0" anchor="b"/>
+          <a:bodyPr vert="horz" lIns="91440" tIns="45720" rIns="91440" bIns="45720" rtlCol="0" anchor="ctr"/>
           <a:lstStyle>
-            <a:lvl1pPr algn="ctr" eaLnBrk="1" latinLnBrk="0" hangingPunct="1">
-              <a:defRPr kumimoji="0" sz="1000">
+            <a:lvl1pPr algn="ctr">
+              <a:defRPr sz="1200">
                 <a:solidFill>
-                  <a:schemeClr val="tx2">
-                    <a:shade val="50000"/>
+                  <a:schemeClr val="tx1">
+                    <a:tint val="75000"/>
                   </a:schemeClr>
                 </a:solidFill>
               </a:defRPr>
@@ -3269,7 +3316,7 @@
       </p:sp>
       <p:sp>
         <p:nvSpPr>
-          <p:cNvPr id="18" name="Slide Number Placeholder 17"/>
+          <p:cNvPr id="6" name="Slide Number Placeholder 5"/>
           <p:cNvSpPr>
             <a:spLocks noGrp="1"/>
           </p:cNvSpPr>
@@ -3279,21 +3326,21 @@
         </p:nvSpPr>
         <p:spPr>
           <a:xfrm>
-            <a:off x="8153400" y="6422064"/>
-            <a:ext cx="762000" cy="365125"/>
+            <a:off x="6553200" y="6356350"/>
+            <a:ext cx="2133600" cy="365125"/>
           </a:xfrm>
           <a:prstGeom prst="rect">
             <a:avLst/>
           </a:prstGeom>
         </p:spPr>
         <p:txBody>
-          <a:bodyPr vert="horz" lIns="0" tIns="0" rIns="0" bIns="0" anchor="b"/>
+          <a:bodyPr vert="horz" lIns="91440" tIns="45720" rIns="91440" bIns="45720" rtlCol="0" anchor="ctr"/>
           <a:lstStyle>
-            <a:lvl1pPr algn="r" eaLnBrk="1" latinLnBrk="0" hangingPunct="1">
-              <a:defRPr kumimoji="0" sz="1000">
+            <a:lvl1pPr algn="r">
+              <a:defRPr sz="1200">
                 <a:solidFill>
-                  <a:schemeClr val="tx2">
-                    <a:shade val="50000"/>
+                  <a:schemeClr val="tx1">
+                    <a:tint val="75000"/>
                   </a:schemeClr>
                 </a:solidFill>
               </a:defRPr>
@@ -3309,29 +3356,34 @@
         </p:txBody>
       </p:sp>
     </p:spTree>
+    <p:extLst>
+      <p:ext uri="{BB962C8B-B14F-4D97-AF65-F5344CB8AC3E}">
+        <p14:creationId xmlns:p14="http://schemas.microsoft.com/office/powerpoint/2010/main" val="1398556275"/>
+      </p:ext>
+    </p:extLst>
   </p:cSld>
   <p:clrMap bg1="dk1" tx1="lt1" bg2="dk2" tx2="lt2" accent1="accent1" accent2="accent2" accent3="accent3" accent4="accent4" accent5="accent5" accent6="accent6" hlink="hlink" folHlink="folHlink"/>
   <p:sldLayoutIdLst>
-    <p:sldLayoutId id="2147483673" r:id="rId1"/>
-    <p:sldLayoutId id="2147483674" r:id="rId2"/>
-    <p:sldLayoutId id="2147483675" r:id="rId3"/>
-    <p:sldLayoutId id="2147483676" r:id="rId4"/>
-    <p:sldLayoutId id="2147483677" r:id="rId5"/>
-    <p:sldLayoutId id="2147483678" r:id="rId6"/>
-    <p:sldLayoutId id="2147483679" r:id="rId7"/>
-    <p:sldLayoutId id="2147483680" r:id="rId8"/>
-    <p:sldLayoutId id="2147483681" r:id="rId9"/>
-    <p:sldLayoutId id="2147483682" r:id="rId10"/>
-    <p:sldLayoutId id="2147483683" r:id="rId11"/>
+    <p:sldLayoutId id="2147483721" r:id="rId1"/>
+    <p:sldLayoutId id="2147483722" r:id="rId2"/>
+    <p:sldLayoutId id="2147483723" r:id="rId3"/>
+    <p:sldLayoutId id="2147483724" r:id="rId4"/>
+    <p:sldLayoutId id="2147483725" r:id="rId5"/>
+    <p:sldLayoutId id="2147483726" r:id="rId6"/>
+    <p:sldLayoutId id="2147483727" r:id="rId7"/>
+    <p:sldLayoutId id="2147483728" r:id="rId8"/>
+    <p:sldLayoutId id="2147483729" r:id="rId9"/>
+    <p:sldLayoutId id="2147483730" r:id="rId10"/>
+    <p:sldLayoutId id="2147483731" r:id="rId11"/>
   </p:sldLayoutIdLst>
   <p:txStyles>
     <p:titleStyle>
-      <a:lvl1pPr algn="l" rtl="0" eaLnBrk="1" latinLnBrk="0" hangingPunct="1">
+      <a:lvl1pPr algn="ctr" defTabSz="914400" rtl="0" eaLnBrk="1" latinLnBrk="0" hangingPunct="1">
         <a:spcBef>
           <a:spcPct val="0"/>
         </a:spcBef>
         <a:buNone/>
-        <a:defRPr kumimoji="0" sz="4600" kern="1200">
+        <a:defRPr sz="4400" kern="1200">
           <a:solidFill>
             <a:schemeClr val="tx1"/>
           </a:solidFill>
@@ -3342,17 +3394,13 @@
       </a:lvl1pPr>
     </p:titleStyle>
     <p:bodyStyle>
-      <a:lvl1pPr marL="420624" indent="-384048" algn="l" rtl="0" eaLnBrk="1" latinLnBrk="0" hangingPunct="1">
+      <a:lvl1pPr marL="342900" indent="-342900" algn="l" defTabSz="914400" rtl="0" eaLnBrk="1" latinLnBrk="0" hangingPunct="1">
         <a:spcBef>
           <a:spcPct val="20000"/>
         </a:spcBef>
-        <a:buClr>
-          <a:schemeClr val="accent1"/>
-        </a:buClr>
-        <a:buSzPct val="80000"/>
-        <a:buFont typeface="Wingdings 2"/>
-        <a:buChar char=""/>
-        <a:defRPr kumimoji="0" sz="3000" kern="1200">
+        <a:buFont typeface="Arial" panose="020B0604020202020204" pitchFamily="34" charset="0"/>
+        <a:buChar char="•"/>
+        <a:defRPr sz="3200" kern="1200">
           <a:solidFill>
             <a:schemeClr val="tx1"/>
           </a:solidFill>
@@ -3361,17 +3409,13 @@
           <a:cs typeface="+mn-cs"/>
         </a:defRPr>
       </a:lvl1pPr>
-      <a:lvl2pPr marL="722376" indent="-274320" algn="l" rtl="0" eaLnBrk="1" latinLnBrk="0" hangingPunct="1">
+      <a:lvl2pPr marL="742950" indent="-285750" algn="l" defTabSz="914400" rtl="0" eaLnBrk="1" latinLnBrk="0" hangingPunct="1">
         <a:spcBef>
           <a:spcPct val="20000"/>
         </a:spcBef>
-        <a:buClr>
-          <a:schemeClr val="accent1"/>
-        </a:buClr>
-        <a:buSzPct val="90000"/>
-        <a:buFont typeface="Wingdings 2"/>
-        <a:buChar char=""/>
-        <a:defRPr kumimoji="0" sz="2600" kern="1200">
+        <a:buFont typeface="Arial" panose="020B0604020202020204" pitchFamily="34" charset="0"/>
+        <a:buChar char="–"/>
+        <a:defRPr sz="2800" kern="1200">
           <a:solidFill>
             <a:schemeClr val="tx1"/>
           </a:solidFill>
@@ -3380,17 +3424,13 @@
           <a:cs typeface="+mn-cs"/>
         </a:defRPr>
       </a:lvl2pPr>
-      <a:lvl3pPr marL="1005840" indent="-256032" algn="l" rtl="0" eaLnBrk="1" latinLnBrk="0" hangingPunct="1">
+      <a:lvl3pPr marL="1143000" indent="-228600" algn="l" defTabSz="914400" rtl="0" eaLnBrk="1" latinLnBrk="0" hangingPunct="1">
         <a:spcBef>
           <a:spcPct val="20000"/>
         </a:spcBef>
-        <a:buClr>
-          <a:schemeClr val="accent2"/>
-        </a:buClr>
-        <a:buSzPct val="85000"/>
-        <a:buFont typeface="Arial"/>
-        <a:buChar char="○"/>
-        <a:defRPr kumimoji="0" sz="2400" kern="1200">
+        <a:buFont typeface="Arial" panose="020B0604020202020204" pitchFamily="34" charset="0"/>
+        <a:buChar char="•"/>
+        <a:defRPr sz="2400" kern="1200">
           <a:solidFill>
             <a:schemeClr val="tx1"/>
           </a:solidFill>
@@ -3399,17 +3439,13 @@
           <a:cs typeface="+mn-cs"/>
         </a:defRPr>
       </a:lvl3pPr>
-      <a:lvl4pPr marL="1280160" indent="-237744" algn="l" rtl="0" eaLnBrk="1" latinLnBrk="0" hangingPunct="1">
+      <a:lvl4pPr marL="1600200" indent="-228600" algn="l" defTabSz="914400" rtl="0" eaLnBrk="1" latinLnBrk="0" hangingPunct="1">
         <a:spcBef>
           <a:spcPct val="20000"/>
         </a:spcBef>
-        <a:buClr>
-          <a:schemeClr val="accent3"/>
-        </a:buClr>
-        <a:buSzPct val="90000"/>
-        <a:buFont typeface="Wingdings 2"/>
-        <a:buChar char=""/>
-        <a:defRPr kumimoji="0" sz="2000" kern="1200">
+        <a:buFont typeface="Arial" panose="020B0604020202020204" pitchFamily="34" charset="0"/>
+        <a:buChar char="–"/>
+        <a:defRPr sz="2000" kern="1200">
           <a:solidFill>
             <a:schemeClr val="tx1"/>
           </a:solidFill>
@@ -3418,17 +3454,13 @@
           <a:cs typeface="+mn-cs"/>
         </a:defRPr>
       </a:lvl4pPr>
-      <a:lvl5pPr marL="1490472" indent="-182880" algn="l" rtl="0" eaLnBrk="1" latinLnBrk="0" hangingPunct="1">
+      <a:lvl5pPr marL="2057400" indent="-228600" algn="l" defTabSz="914400" rtl="0" eaLnBrk="1" latinLnBrk="0" hangingPunct="1">
         <a:spcBef>
           <a:spcPct val="20000"/>
         </a:spcBef>
-        <a:buClr>
-          <a:schemeClr val="accent4"/>
-        </a:buClr>
-        <a:buSzPct val="100000"/>
-        <a:buFont typeface="Arial"/>
-        <a:buChar char="-"/>
-        <a:defRPr kumimoji="0" sz="2000" kern="1200">
+        <a:buFont typeface="Arial" panose="020B0604020202020204" pitchFamily="34" charset="0"/>
+        <a:buChar char="»"/>
+        <a:defRPr sz="2000" kern="1200">
           <a:solidFill>
             <a:schemeClr val="tx1"/>
           </a:solidFill>
@@ -3437,16 +3469,13 @@
           <a:cs typeface="+mn-cs"/>
         </a:defRPr>
       </a:lvl5pPr>
-      <a:lvl6pPr marL="1700784" indent="-182880" algn="l" rtl="0" eaLnBrk="1" latinLnBrk="0" hangingPunct="1">
+      <a:lvl6pPr marL="2514600" indent="-228600" algn="l" defTabSz="914400" rtl="0" eaLnBrk="1" latinLnBrk="0" hangingPunct="1">
         <a:spcBef>
           <a:spcPct val="20000"/>
         </a:spcBef>
-        <a:buClr>
-          <a:schemeClr val="accent5"/>
-        </a:buClr>
-        <a:buFont typeface="Arial"/>
-        <a:buChar char="-"/>
-        <a:defRPr kumimoji="0" sz="2000" kern="1200" baseline="0">
+        <a:buFont typeface="Arial" panose="020B0604020202020204" pitchFamily="34" charset="0"/>
+        <a:buChar char="•"/>
+        <a:defRPr sz="2000" kern="1200">
           <a:solidFill>
             <a:schemeClr val="tx1"/>
           </a:solidFill>
@@ -3455,17 +3484,13 @@
           <a:cs typeface="+mn-cs"/>
         </a:defRPr>
       </a:lvl6pPr>
-      <a:lvl7pPr marL="1920240" indent="-182880" algn="l" rtl="0" eaLnBrk="1" latinLnBrk="0" hangingPunct="1">
+      <a:lvl7pPr marL="2971800" indent="-228600" algn="l" defTabSz="914400" rtl="0" eaLnBrk="1" latinLnBrk="0" hangingPunct="1">
         <a:spcBef>
           <a:spcPct val="20000"/>
         </a:spcBef>
-        <a:buClr>
-          <a:schemeClr val="accent6"/>
-        </a:buClr>
-        <a:buSzPct val="100000"/>
-        <a:buFont typeface="Arial"/>
+        <a:buFont typeface="Arial" panose="020B0604020202020204" pitchFamily="34" charset="0"/>
         <a:buChar char="•"/>
-        <a:defRPr kumimoji="0" sz="1800" kern="1200" baseline="0">
+        <a:defRPr sz="2000" kern="1200">
           <a:solidFill>
             <a:schemeClr val="tx1"/>
           </a:solidFill>
@@ -3474,16 +3499,13 @@
           <a:cs typeface="+mn-cs"/>
         </a:defRPr>
       </a:lvl7pPr>
-      <a:lvl8pPr marL="2139696" indent="-182880" algn="l" rtl="0" eaLnBrk="1" latinLnBrk="0" hangingPunct="1">
+      <a:lvl8pPr marL="3429000" indent="-228600" algn="l" defTabSz="914400" rtl="0" eaLnBrk="1" latinLnBrk="0" hangingPunct="1">
         <a:spcBef>
           <a:spcPct val="20000"/>
         </a:spcBef>
-        <a:buClr>
-          <a:schemeClr val="accent6"/>
-        </a:buClr>
-        <a:buFont typeface="Arial"/>
-        <a:buChar char="▪"/>
-        <a:defRPr kumimoji="0" sz="1600" kern="1200">
+        <a:buFont typeface="Arial" panose="020B0604020202020204" pitchFamily="34" charset="0"/>
+        <a:buChar char="•"/>
+        <a:defRPr sz="2000" kern="1200">
           <a:solidFill>
             <a:schemeClr val="tx1"/>
           </a:solidFill>
@@ -3492,16 +3514,13 @@
           <a:cs typeface="+mn-cs"/>
         </a:defRPr>
       </a:lvl8pPr>
-      <a:lvl9pPr marL="2331720" indent="-182880" algn="l" rtl="0" eaLnBrk="1" latinLnBrk="0" hangingPunct="1">
+      <a:lvl9pPr marL="3886200" indent="-228600" algn="l" defTabSz="914400" rtl="0" eaLnBrk="1" latinLnBrk="0" hangingPunct="1">
         <a:spcBef>
           <a:spcPct val="20000"/>
         </a:spcBef>
-        <a:buClr>
-          <a:schemeClr val="accent6"/>
-        </a:buClr>
-        <a:buFont typeface="Arial"/>
+        <a:buFont typeface="Arial" panose="020B0604020202020204" pitchFamily="34" charset="0"/>
         <a:buChar char="•"/>
-        <a:defRPr kumimoji="0" sz="1600" kern="1200">
+        <a:defRPr sz="2000" kern="1200">
           <a:solidFill>
             <a:schemeClr val="tx1"/>
           </a:solidFill>
@@ -3512,8 +3531,11 @@
       </a:lvl9pPr>
     </p:bodyStyle>
     <p:otherStyle>
-      <a:lvl1pPr marL="0" algn="l" rtl="0" eaLnBrk="1" latinLnBrk="0" hangingPunct="1">
-        <a:defRPr kumimoji="0" kern="1200">
+      <a:defPPr>
+        <a:defRPr lang="en-US"/>
+      </a:defPPr>
+      <a:lvl1pPr marL="0" algn="l" defTabSz="914400" rtl="0" eaLnBrk="1" latinLnBrk="0" hangingPunct="1">
+        <a:defRPr sz="1800" kern="1200">
           <a:solidFill>
             <a:schemeClr val="tx1"/>
           </a:solidFill>
@@ -3522,8 +3544,8 @@
           <a:cs typeface="+mn-cs"/>
         </a:defRPr>
       </a:lvl1pPr>
-      <a:lvl2pPr marL="457200" algn="l" rtl="0" eaLnBrk="1" latinLnBrk="0" hangingPunct="1">
-        <a:defRPr kumimoji="0" kern="1200">
+      <a:lvl2pPr marL="457200" algn="l" defTabSz="914400" rtl="0" eaLnBrk="1" latinLnBrk="0" hangingPunct="1">
+        <a:defRPr sz="1800" kern="1200">
           <a:solidFill>
             <a:schemeClr val="tx1"/>
           </a:solidFill>
@@ -3532,8 +3554,8 @@
           <a:cs typeface="+mn-cs"/>
         </a:defRPr>
       </a:lvl2pPr>
-      <a:lvl3pPr marL="914400" algn="l" rtl="0" eaLnBrk="1" latinLnBrk="0" hangingPunct="1">
-        <a:defRPr kumimoji="0" kern="1200">
+      <a:lvl3pPr marL="914400" algn="l" defTabSz="914400" rtl="0" eaLnBrk="1" latinLnBrk="0" hangingPunct="1">
+        <a:defRPr sz="1800" kern="1200">
           <a:solidFill>
             <a:schemeClr val="tx1"/>
           </a:solidFill>
@@ -3542,8 +3564,8 @@
           <a:cs typeface="+mn-cs"/>
         </a:defRPr>
       </a:lvl3pPr>
-      <a:lvl4pPr marL="1371600" algn="l" rtl="0" eaLnBrk="1" latinLnBrk="0" hangingPunct="1">
-        <a:defRPr kumimoji="0" kern="1200">
+      <a:lvl4pPr marL="1371600" algn="l" defTabSz="914400" rtl="0" eaLnBrk="1" latinLnBrk="0" hangingPunct="1">
+        <a:defRPr sz="1800" kern="1200">
           <a:solidFill>
             <a:schemeClr val="tx1"/>
           </a:solidFill>
@@ -3552,8 +3574,8 @@
           <a:cs typeface="+mn-cs"/>
         </a:defRPr>
       </a:lvl4pPr>
-      <a:lvl5pPr marL="1828800" algn="l" rtl="0" eaLnBrk="1" latinLnBrk="0" hangingPunct="1">
-        <a:defRPr kumimoji="0" kern="1200">
+      <a:lvl5pPr marL="1828800" algn="l" defTabSz="914400" rtl="0" eaLnBrk="1" latinLnBrk="0" hangingPunct="1">
+        <a:defRPr sz="1800" kern="1200">
           <a:solidFill>
             <a:schemeClr val="tx1"/>
           </a:solidFill>
@@ -3562,8 +3584,8 @@
           <a:cs typeface="+mn-cs"/>
         </a:defRPr>
       </a:lvl5pPr>
-      <a:lvl6pPr marL="2286000" algn="l" rtl="0" eaLnBrk="1" latinLnBrk="0" hangingPunct="1">
-        <a:defRPr kumimoji="0" kern="1200">
+      <a:lvl6pPr marL="2286000" algn="l" defTabSz="914400" rtl="0" eaLnBrk="1" latinLnBrk="0" hangingPunct="1">
+        <a:defRPr sz="1800" kern="1200">
           <a:solidFill>
             <a:schemeClr val="tx1"/>
           </a:solidFill>
@@ -3572,8 +3594,8 @@
           <a:cs typeface="+mn-cs"/>
         </a:defRPr>
       </a:lvl6pPr>
-      <a:lvl7pPr marL="2743200" algn="l" rtl="0" eaLnBrk="1" latinLnBrk="0" hangingPunct="1">
-        <a:defRPr kumimoji="0" kern="1200">
+      <a:lvl7pPr marL="2743200" algn="l" defTabSz="914400" rtl="0" eaLnBrk="1" latinLnBrk="0" hangingPunct="1">
+        <a:defRPr sz="1800" kern="1200">
           <a:solidFill>
             <a:schemeClr val="tx1"/>
           </a:solidFill>
@@ -3582,8 +3604,8 @@
           <a:cs typeface="+mn-cs"/>
         </a:defRPr>
       </a:lvl7pPr>
-      <a:lvl8pPr marL="3200400" algn="l" rtl="0" eaLnBrk="1" latinLnBrk="0" hangingPunct="1">
-        <a:defRPr kumimoji="0" kern="1200">
+      <a:lvl8pPr marL="3200400" algn="l" defTabSz="914400" rtl="0" eaLnBrk="1" latinLnBrk="0" hangingPunct="1">
+        <a:defRPr sz="1800" kern="1200">
           <a:solidFill>
             <a:schemeClr val="tx1"/>
           </a:solidFill>
@@ -3592,8 +3614,8 @@
           <a:cs typeface="+mn-cs"/>
         </a:defRPr>
       </a:lvl8pPr>
-      <a:lvl9pPr marL="3657600" algn="l" rtl="0" eaLnBrk="1" latinLnBrk="0" hangingPunct="1">
-        <a:defRPr kumimoji="0" kern="1200">
+      <a:lvl9pPr marL="3657600" algn="l" defTabSz="914400" rtl="0" eaLnBrk="1" latinLnBrk="0" hangingPunct="1">
+        <a:defRPr sz="1800" kern="1200">
           <a:solidFill>
             <a:schemeClr val="tx1"/>
           </a:solidFill>
@@ -3626,7 +3648,7 @@
       </p:grpSpPr>
       <p:sp>
         <p:nvSpPr>
-          <p:cNvPr id="4" name="Title 3"/>
+          <p:cNvPr id="8" name="Title 7"/>
           <p:cNvSpPr>
             <a:spLocks noGrp="1"/>
           </p:cNvSpPr>
@@ -3634,30 +3656,27 @@
             <p:ph type="ctrTitle"/>
           </p:nvPr>
         </p:nvSpPr>
-        <p:spPr>
-          <a:xfrm>
-            <a:off x="304800" y="762000"/>
-            <a:ext cx="6480048" cy="2301240"/>
-          </a:xfrm>
-        </p:spPr>
-        <p:txBody>
-          <a:bodyPr/>
-          <a:lstStyle/>
-          <a:p>
-            <a:r>
-              <a:rPr lang="en-US" dirty="0" err="1"/>
-              <a:t>Hackathon</a:t>
-            </a:r>
-            <a:r>
-              <a:rPr lang="en-US" dirty="0"/>
-              <a:t> 2014</a:t>
-            </a:r>
-          </a:p>
-        </p:txBody>
-      </p:sp>
-      <p:sp>
-        <p:nvSpPr>
-          <p:cNvPr id="5" name="Subtitle 4"/>
+        <p:spPr/>
+        <p:txBody>
+          <a:bodyPr/>
+          <a:lstStyle/>
+          <a:p>
+            <a:pPr algn="r"/>
+            <a:r>
+              <a:rPr lang="en-US" dirty="0" err="1" smtClean="0"/>
+              <a:t>Exede</a:t>
+            </a:r>
+            <a:r>
+              <a:rPr lang="en-US" dirty="0" smtClean="0"/>
+              <a:t> Group Downloads</a:t>
+            </a:r>
+            <a:endParaRPr lang="en-US" dirty="0"/>
+          </a:p>
+        </p:txBody>
+      </p:sp>
+      <p:sp>
+        <p:nvSpPr>
+          <p:cNvPr id="9" name="Subtitle 8"/>
           <p:cNvSpPr>
             <a:spLocks noGrp="1"/>
           </p:cNvSpPr>
@@ -3665,36 +3684,40 @@
             <p:ph type="subTitle" idx="1"/>
           </p:nvPr>
         </p:nvSpPr>
-        <p:spPr>
-          <a:xfrm>
-            <a:off x="1219200" y="2971800"/>
-            <a:ext cx="6480048" cy="457200"/>
-          </a:xfrm>
-        </p:spPr>
+        <p:spPr/>
         <p:txBody>
           <a:bodyPr>
-            <a:noAutofit/>
+            <a:normAutofit fontScale="85000" lnSpcReduction="20000"/>
           </a:bodyPr>
           <a:lstStyle/>
           <a:p>
-            <a:pPr algn="ctr"/>
-            <a:r>
-              <a:rPr lang="en-US" sz="3200" dirty="0" smtClean="0"/>
-              <a:t>The </a:t>
-            </a:r>
-            <a:r>
-              <a:rPr lang="en-US" sz="3200" dirty="0" err="1" smtClean="0"/>
-              <a:t>Pingable</a:t>
-            </a:r>
-            <a:r>
-              <a:rPr lang="en-US" sz="3200" dirty="0" smtClean="0"/>
-              <a:t> </a:t>
-            </a:r>
-            <a:r>
-              <a:rPr lang="en-US" sz="3200" dirty="0" err="1" smtClean="0"/>
-              <a:t>Pingbots</a:t>
-            </a:r>
-            <a:endParaRPr lang="en-US" sz="4800" dirty="0"/>
+            <a:pPr algn="r"/>
+            <a:r>
+              <a:rPr lang="en-US" dirty="0" smtClean="0"/>
+              <a:t>Andrew Paon</a:t>
+            </a:r>
+          </a:p>
+          <a:p>
+            <a:pPr algn="r"/>
+            <a:r>
+              <a:rPr lang="en-US" dirty="0" smtClean="0"/>
+              <a:t>Matthew Silverstein</a:t>
+            </a:r>
+          </a:p>
+          <a:p>
+            <a:pPr algn="r"/>
+            <a:r>
+              <a:rPr lang="en-US" dirty="0" smtClean="0"/>
+              <a:t>Brian Soe</a:t>
+            </a:r>
+          </a:p>
+          <a:p>
+            <a:pPr algn="r"/>
+            <a:r>
+              <a:rPr lang="en-US" dirty="0" smtClean="0"/>
+              <a:t>Matthew Zenzie</a:t>
+            </a:r>
+            <a:endParaRPr lang="en-US" dirty="0"/>
           </a:p>
         </p:txBody>
       </p:sp>
@@ -3708,6 +3731,13 @@
   <p:clrMapOvr>
     <a:masterClrMapping/>
   </p:clrMapOvr>
+  <p:timing>
+    <p:tnLst>
+      <p:par>
+        <p:cTn id="1" dur="indefinite" restart="never" nodeType="tmRoot"/>
+      </p:par>
+    </p:tnLst>
+  </p:timing>
 </p:sld>
 </file>
 
@@ -3787,19 +3817,9 @@
             </a:pPr>
             <a:r>
               <a:rPr lang="en-US" dirty="0" smtClean="0"/>
-              <a:t>Capped Data</a:t>
-            </a:r>
-          </a:p>
-          <a:p>
-            <a:pPr lvl="1">
-              <a:buClr>
-                <a:srgbClr val="F85326"/>
-              </a:buClr>
-            </a:pPr>
-            <a:r>
-              <a:rPr lang="en-US" dirty="0" smtClean="0"/>
-              <a:t>Capped Speeds</a:t>
-            </a:r>
+              <a:t>Larger and Faster</a:t>
+            </a:r>
+            <a:endParaRPr lang="en-US" dirty="0"/>
           </a:p>
           <a:p>
             <a:pPr>
@@ -3809,7 +3829,11 @@
             </a:pPr>
             <a:r>
               <a:rPr lang="en-US" dirty="0" smtClean="0"/>
-              <a:t>Larger Files</a:t>
+              <a:t>Larger </a:t>
+            </a:r>
+            <a:r>
+              <a:rPr lang="en-US" dirty="0" smtClean="0"/>
+              <a:t>Files</a:t>
             </a:r>
           </a:p>
           <a:p>
@@ -3858,6 +3882,13 @@
   <p:clrMapOvr>
     <a:masterClrMapping/>
   </p:clrMapOvr>
+  <p:timing>
+    <p:tnLst>
+      <p:par>
+        <p:cTn id="1" dur="indefinite" restart="never" nodeType="tmRoot"/>
+      </p:par>
+    </p:tnLst>
+  </p:timing>
 </p:sld>
 </file>
 
@@ -3936,8 +3967,9 @@
             </a:pPr>
             <a:r>
               <a:rPr lang="en-US" dirty="0" smtClean="0"/>
-              <a:t>When the satellite sends a signal to your house, it gets broadcasts to everyone on the beam</a:t>
-            </a:r>
+              <a:t>When one customer requests a file, that file can be received by any other customer on the beam for free</a:t>
+            </a:r>
+            <a:endParaRPr lang="en-US" dirty="0" smtClean="0"/>
           </a:p>
           <a:p>
             <a:pPr lvl="1">
@@ -3964,7 +3996,7 @@
           </p:nvPr>
         </p:nvPicPr>
         <p:blipFill>
-          <a:blip r:embed="rId2" cstate="print">
+          <a:blip r:embed="rId3" cstate="print">
             <a:extLst>
               <a:ext uri="{28A0092B-C50C-407E-A947-70E740481C1C}">
                 <a14:useLocalDpi xmlns:a14="http://schemas.microsoft.com/office/drawing/2010/main" val="0"/>
@@ -3978,7 +4010,7 @@
         </p:blipFill>
         <p:spPr bwMode="auto">
           <a:xfrm>
-            <a:off x="4267200" y="1676400"/>
+            <a:off x="4724400" y="1447800"/>
             <a:ext cx="3657600" cy="3903489"/>
           </a:xfrm>
           <a:prstGeom prst="rect">
@@ -4006,6 +4038,13 @@
   <p:clrMapOvr>
     <a:masterClrMapping/>
   </p:clrMapOvr>
+  <p:timing>
+    <p:tnLst>
+      <p:par>
+        <p:cTn id="1" dur="indefinite" restart="never" nodeType="tmRoot"/>
+      </p:par>
+    </p:tnLst>
+  </p:timing>
 </p:sld>
 </file>
 
@@ -4039,7 +4078,7 @@
         <p:spPr/>
         <p:txBody>
           <a:bodyPr>
-            <a:normAutofit fontScale="90000"/>
+            <a:normAutofit/>
           </a:bodyPr>
           <a:lstStyle/>
           <a:p>
@@ -4073,8 +4112,9 @@
             </a:pPr>
             <a:r>
               <a:rPr lang="en-US" dirty="0" smtClean="0"/>
-              <a:t>Share Downloads</a:t>
-            </a:r>
+              <a:t>Scenario:</a:t>
+            </a:r>
+            <a:endParaRPr lang="en-US" dirty="0"/>
           </a:p>
           <a:p>
             <a:pPr lvl="1">
@@ -4084,7 +4124,7 @@
             </a:pPr>
             <a:r>
               <a:rPr lang="en-US" dirty="0" smtClean="0"/>
-              <a:t>Multiple customers downloading the same file.</a:t>
+              <a:t>5 person group wants to download a large file</a:t>
             </a:r>
           </a:p>
           <a:p>
@@ -4095,7 +4135,7 @@
             </a:pPr>
             <a:r>
               <a:rPr lang="en-US" dirty="0" smtClean="0"/>
-              <a:t>Satellite can increase download speed since it’s providing a signal for several customers.</a:t>
+              <a:t>Each person responsible for requesting/downloading one fifth of this file</a:t>
             </a:r>
           </a:p>
           <a:p>
@@ -4106,9 +4146,54 @@
             </a:pPr>
             <a:r>
               <a:rPr lang="en-US" dirty="0" smtClean="0"/>
-              <a:t>Bandwidth is shared across everyone.</a:t>
-            </a:r>
-            <a:endParaRPr lang="en-US" dirty="0"/>
+              <a:t>Every member capable of receiving every other member’s portion in parallel</a:t>
+            </a:r>
+          </a:p>
+          <a:p>
+            <a:pPr lvl="2">
+              <a:buClr>
+                <a:srgbClr val="F85326"/>
+              </a:buClr>
+            </a:pPr>
+            <a:r>
+              <a:rPr lang="en-US" dirty="0" smtClean="0"/>
+              <a:t>Download speed increase proportional to group size, up to some limit imposed by receiving hardware</a:t>
+            </a:r>
+          </a:p>
+          <a:p>
+            <a:pPr lvl="2">
+              <a:buClr>
+                <a:srgbClr val="F85326"/>
+              </a:buClr>
+            </a:pPr>
+            <a:r>
+              <a:rPr lang="en-US" dirty="0" smtClean="0"/>
+              <a:t>Bandwidth usage inversely proportional to group size</a:t>
+            </a:r>
+          </a:p>
+          <a:p>
+            <a:pPr lvl="1">
+              <a:buClr>
+                <a:srgbClr val="F85326"/>
+              </a:buClr>
+            </a:pPr>
+            <a:endParaRPr lang="en-US" dirty="0" smtClean="0"/>
+          </a:p>
+          <a:p>
+            <a:pPr lvl="1">
+              <a:buClr>
+                <a:srgbClr val="F85326"/>
+              </a:buClr>
+            </a:pPr>
+            <a:endParaRPr lang="en-US" dirty="0" smtClean="0"/>
+          </a:p>
+          <a:p>
+            <a:pPr lvl="1">
+              <a:buClr>
+                <a:srgbClr val="F85326"/>
+              </a:buClr>
+            </a:pPr>
+            <a:endParaRPr lang="en-US" dirty="0" smtClean="0"/>
           </a:p>
         </p:txBody>
       </p:sp>
@@ -4122,6 +4207,13 @@
   <p:clrMapOvr>
     <a:masterClrMapping/>
   </p:clrMapOvr>
+  <p:timing>
+    <p:tnLst>
+      <p:par>
+        <p:cTn id="1" dur="indefinite" restart="never" nodeType="tmRoot"/>
+      </p:par>
+    </p:tnLst>
+  </p:timing>
 </p:sld>
 </file>
 
@@ -4161,7 +4253,7 @@
           <a:p>
             <a:r>
               <a:rPr lang="en-US" dirty="0" smtClean="0"/>
-              <a:t>In Action, Synced</a:t>
+              <a:t>Project Goals</a:t>
             </a:r>
             <a:endParaRPr lang="en-US" dirty="0"/>
           </a:p>
@@ -4174,14 +4266,12 @@
             <a:spLocks noGrp="1"/>
           </p:cNvSpPr>
           <p:nvPr>
-            <p:ph sz="half" idx="1"/>
-          </p:nvPr>
-        </p:nvSpPr>
-        <p:spPr/>
-        <p:txBody>
-          <a:bodyPr>
-            <a:normAutofit/>
-          </a:bodyPr>
+            <p:ph idx="1"/>
+          </p:nvPr>
+        </p:nvSpPr>
+        <p:spPr/>
+        <p:txBody>
+          <a:bodyPr/>
           <a:lstStyle/>
           <a:p>
             <a:pPr>
@@ -4191,7 +4281,40 @@
             </a:pPr>
             <a:r>
               <a:rPr lang="en-US" dirty="0" smtClean="0"/>
-              <a:t>Four people downloading a large file.</a:t>
+              <a:t>User Interface</a:t>
+            </a:r>
+          </a:p>
+          <a:p>
+            <a:pPr lvl="1">
+              <a:buClr>
+                <a:srgbClr val="F85326"/>
+              </a:buClr>
+            </a:pPr>
+            <a:r>
+              <a:rPr lang="en-US" dirty="0" smtClean="0"/>
+              <a:t>Submit requests for specific files.</a:t>
+            </a:r>
+          </a:p>
+          <a:p>
+            <a:pPr lvl="1">
+              <a:buClr>
+                <a:srgbClr val="F85326"/>
+              </a:buClr>
+            </a:pPr>
+            <a:r>
+              <a:rPr lang="en-US" dirty="0" smtClean="0"/>
+              <a:t>Browse categories and vote for different downloads.</a:t>
+            </a:r>
+          </a:p>
+          <a:p>
+            <a:pPr lvl="1">
+              <a:buClr>
+                <a:srgbClr val="F85326"/>
+              </a:buClr>
+            </a:pPr>
+            <a:r>
+              <a:rPr lang="en-US" dirty="0" smtClean="0"/>
+              <a:t>Enjoy more and faster downloads.</a:t>
             </a:r>
           </a:p>
           <a:p>
@@ -4202,73 +4325,40 @@
             </a:pPr>
             <a:r>
               <a:rPr lang="en-US" dirty="0" smtClean="0"/>
-              <a:t>Bandwidth Charged: 25GB (each).</a:t>
-            </a:r>
-          </a:p>
-          <a:p>
-            <a:pPr>
+              <a:t>Server Simulation</a:t>
+            </a:r>
+          </a:p>
+          <a:p>
+            <a:pPr lvl="1">
               <a:buClr>
                 <a:srgbClr val="F85326"/>
               </a:buClr>
             </a:pPr>
             <a:r>
               <a:rPr lang="en-US" dirty="0" smtClean="0"/>
-              <a:t>Speed: 48Mb/s.</a:t>
-            </a:r>
-          </a:p>
-          <a:p>
-            <a:pPr>
-              <a:buClr>
-                <a:srgbClr val="F85326"/>
-              </a:buClr>
-            </a:pPr>
-            <a:r>
-              <a:rPr lang="en-US" dirty="0" smtClean="0"/>
-              <a:t>Time: 4.5 hours.</a:t>
+              <a:t>Demonstrate basic multicasting functionality.</a:t>
             </a:r>
             <a:endParaRPr lang="en-US" dirty="0"/>
           </a:p>
         </p:txBody>
       </p:sp>
-      <p:pic>
-        <p:nvPicPr>
-          <p:cNvPr id="6" name="Content Placeholder 4"/>
-          <p:cNvPicPr>
-            <a:picLocks noGrp="1" noChangeAspect="1"/>
-          </p:cNvPicPr>
-          <p:nvPr>
-            <p:ph sz="half" idx="2"/>
-          </p:nvPr>
-        </p:nvPicPr>
-        <p:blipFill>
-          <a:blip r:embed="rId2">
-            <a:extLst>
-              <a:ext uri="{28A0092B-C50C-407E-A947-70E740481C1C}">
-                <a14:useLocalDpi xmlns:a14="http://schemas.microsoft.com/office/drawing/2010/main" val="0"/>
-              </a:ext>
-            </a:extLst>
-          </a:blip>
-          <a:stretch>
-            <a:fillRect/>
-          </a:stretch>
-        </p:blipFill>
-        <p:spPr>
-          <a:xfrm>
-            <a:off x="4267200" y="1752600"/>
-            <a:ext cx="3657600" cy="4800600"/>
-          </a:xfrm>
-        </p:spPr>
-      </p:pic>
     </p:spTree>
     <p:extLst>
       <p:ext uri="{BB962C8B-B14F-4D97-AF65-F5344CB8AC3E}">
-        <p14:creationId xmlns:p14="http://schemas.microsoft.com/office/powerpoint/2010/main" val="721389265"/>
+        <p14:creationId xmlns:p14="http://schemas.microsoft.com/office/powerpoint/2010/main" val="2745884276"/>
       </p:ext>
     </p:extLst>
   </p:cSld>
   <p:clrMapOvr>
     <a:masterClrMapping/>
   </p:clrMapOvr>
+  <p:timing>
+    <p:tnLst>
+      <p:par>
+        <p:cTn id="1" dur="indefinite" restart="never" nodeType="tmRoot"/>
+      </p:par>
+    </p:tnLst>
+  </p:timing>
 </p:sld>
 </file>
 
@@ -4291,7 +4381,7 @@
       </p:grpSpPr>
       <p:sp>
         <p:nvSpPr>
-          <p:cNvPr id="4" name="Title 3"/>
+          <p:cNvPr id="2" name="Title 1"/>
           <p:cNvSpPr>
             <a:spLocks noGrp="1"/>
           </p:cNvSpPr>
@@ -4301,14 +4391,12 @@
         </p:nvSpPr>
         <p:spPr/>
         <p:txBody>
-          <a:bodyPr>
-            <a:normAutofit/>
-          </a:bodyPr>
+          <a:bodyPr/>
           <a:lstStyle/>
           <a:p>
             <a:r>
               <a:rPr lang="en-US" dirty="0" smtClean="0"/>
-              <a:t>Project Goals</a:t>
+              <a:t>Demo</a:t>
             </a:r>
             <a:endParaRPr lang="en-US" dirty="0"/>
           </a:p>
@@ -4316,7 +4404,7 @@
       </p:sp>
       <p:sp>
         <p:nvSpPr>
-          <p:cNvPr id="5" name="Content Placeholder 4"/>
+          <p:cNvPr id="3" name="Content Placeholder 2"/>
           <p:cNvSpPr>
             <a:spLocks noGrp="1"/>
           </p:cNvSpPr>
@@ -4329,78 +4417,14 @@
           <a:bodyPr/>
           <a:lstStyle/>
           <a:p>
-            <a:pPr>
-              <a:buClr>
-                <a:srgbClr val="F85326"/>
-              </a:buClr>
-            </a:pPr>
-            <a:r>
-              <a:rPr lang="en-US" dirty="0" smtClean="0"/>
-              <a:t>User Interface</a:t>
-            </a:r>
-          </a:p>
-          <a:p>
-            <a:pPr lvl="1">
-              <a:buClr>
-                <a:srgbClr val="F85326"/>
-              </a:buClr>
-            </a:pPr>
-            <a:r>
-              <a:rPr lang="en-US" dirty="0" smtClean="0"/>
-              <a:t>Submit requests for specific files.</a:t>
-            </a:r>
-          </a:p>
-          <a:p>
-            <a:pPr lvl="1">
-              <a:buClr>
-                <a:srgbClr val="F85326"/>
-              </a:buClr>
-            </a:pPr>
-            <a:r>
-              <a:rPr lang="en-US" dirty="0" smtClean="0"/>
-              <a:t>Browse categories and vote for different downloads.</a:t>
-            </a:r>
-          </a:p>
-          <a:p>
-            <a:pPr lvl="1">
-              <a:buClr>
-                <a:srgbClr val="F85326"/>
-              </a:buClr>
-            </a:pPr>
-            <a:r>
-              <a:rPr lang="en-US" dirty="0" smtClean="0"/>
-              <a:t>Enjoy more and faster downloads.</a:t>
-            </a:r>
-          </a:p>
-          <a:p>
-            <a:pPr>
-              <a:buClr>
-                <a:srgbClr val="F85326"/>
-              </a:buClr>
-            </a:pPr>
-            <a:r>
-              <a:rPr lang="en-US" dirty="0" smtClean="0"/>
-              <a:t>Server Simulation</a:t>
-            </a:r>
-          </a:p>
-          <a:p>
-            <a:pPr lvl="1">
-              <a:buClr>
-                <a:srgbClr val="F85326"/>
-              </a:buClr>
-            </a:pPr>
-            <a:r>
-              <a:rPr lang="en-US" dirty="0" smtClean="0"/>
-              <a:t>Demonstrate basic multicasting functionality.</a:t>
-            </a:r>
-            <a:endParaRPr lang="en-US" dirty="0"/>
+            <a:endParaRPr lang="en-US"/>
           </a:p>
         </p:txBody>
       </p:sp>
     </p:spTree>
     <p:extLst>
       <p:ext uri="{BB962C8B-B14F-4D97-AF65-F5344CB8AC3E}">
-        <p14:creationId xmlns:p14="http://schemas.microsoft.com/office/powerpoint/2010/main" val="2745884276"/>
+        <p14:creationId xmlns:p14="http://schemas.microsoft.com/office/powerpoint/2010/main" val="2505180364"/>
       </p:ext>
     </p:extLst>
   </p:cSld>
@@ -4444,78 +4468,6 @@
           <a:p>
             <a:r>
               <a:rPr lang="en-US" dirty="0" smtClean="0"/>
-              <a:t>Demo</a:t>
-            </a:r>
-            <a:endParaRPr lang="en-US" dirty="0"/>
-          </a:p>
-        </p:txBody>
-      </p:sp>
-      <p:sp>
-        <p:nvSpPr>
-          <p:cNvPr id="3" name="Content Placeholder 2"/>
-          <p:cNvSpPr>
-            <a:spLocks noGrp="1"/>
-          </p:cNvSpPr>
-          <p:nvPr>
-            <p:ph idx="1"/>
-          </p:nvPr>
-        </p:nvSpPr>
-        <p:spPr/>
-        <p:txBody>
-          <a:bodyPr/>
-          <a:lstStyle/>
-          <a:p>
-            <a:endParaRPr lang="en-US"/>
-          </a:p>
-        </p:txBody>
-      </p:sp>
-    </p:spTree>
-    <p:extLst>
-      <p:ext uri="{BB962C8B-B14F-4D97-AF65-F5344CB8AC3E}">
-        <p14:creationId xmlns:p14="http://schemas.microsoft.com/office/powerpoint/2010/main" val="2505180364"/>
-      </p:ext>
-    </p:extLst>
-  </p:cSld>
-  <p:clrMapOvr>
-    <a:masterClrMapping/>
-  </p:clrMapOvr>
-</p:sld>
-</file>
-
-<file path=ppt/slides/slide8.xml><?xml version="1.0" encoding="utf-8"?>
-<p:sld xmlns:a="http://schemas.openxmlformats.org/drawingml/2006/main" xmlns:r="http://schemas.openxmlformats.org/officeDocument/2006/relationships" xmlns:p="http://schemas.openxmlformats.org/presentationml/2006/main">
-  <p:cSld>
-    <p:spTree>
-      <p:nvGrpSpPr>
-        <p:cNvPr id="1" name=""/>
-        <p:cNvGrpSpPr/>
-        <p:nvPr/>
-      </p:nvGrpSpPr>
-      <p:grpSpPr>
-        <a:xfrm>
-          <a:off x="0" y="0"/>
-          <a:ext cx="0" cy="0"/>
-          <a:chOff x="0" y="0"/>
-          <a:chExt cx="0" cy="0"/>
-        </a:xfrm>
-      </p:grpSpPr>
-      <p:sp>
-        <p:nvSpPr>
-          <p:cNvPr id="2" name="Title 1"/>
-          <p:cNvSpPr>
-            <a:spLocks noGrp="1"/>
-          </p:cNvSpPr>
-          <p:nvPr>
-            <p:ph type="title"/>
-          </p:nvPr>
-        </p:nvSpPr>
-        <p:spPr/>
-        <p:txBody>
-          <a:bodyPr/>
-          <a:lstStyle/>
-          <a:p>
-            <a:r>
-              <a:rPr lang="en-US" dirty="0" smtClean="0"/>
               <a:t>Questions</a:t>
             </a:r>
             <a:endParaRPr lang="en-US" dirty="0"/>
@@ -4555,56 +4507,91 @@
 </file>
 
 <file path=ppt/theme/theme1.xml><?xml version="1.0" encoding="utf-8"?>
-<a:theme xmlns:a="http://schemas.openxmlformats.org/drawingml/2006/main" name="Technic">
+<a:theme xmlns:a="http://schemas.openxmlformats.org/drawingml/2006/main" name="Office Theme">
   <a:themeElements>
-    <a:clrScheme name="Technic">
+    <a:clrScheme name="Custom 2">
       <a:dk1>
-        <a:sysClr val="windowText" lastClr="000000"/>
+        <a:srgbClr val="002835"/>
       </a:dk1>
       <a:lt1>
         <a:sysClr val="window" lastClr="FFFFFF"/>
       </a:lt1>
       <a:dk2>
-        <a:srgbClr val="3B3B3B"/>
+        <a:srgbClr val="646B86"/>
       </a:dk2>
       <a:lt2>
-        <a:srgbClr val="D4D2D0"/>
+        <a:srgbClr val="C5D1D7"/>
       </a:lt2>
       <a:accent1>
-        <a:srgbClr val="6EA0B0"/>
+        <a:srgbClr val="FFC000"/>
       </a:accent1>
       <a:accent2>
-        <a:srgbClr val="CCAF0A"/>
+        <a:srgbClr val="CCB400"/>
       </a:accent2>
       <a:accent3>
-        <a:srgbClr val="8D89A4"/>
+        <a:srgbClr val="FFE947"/>
       </a:accent3>
       <a:accent4>
-        <a:srgbClr val="748560"/>
+        <a:srgbClr val="8C7B70"/>
       </a:accent4>
       <a:accent5>
-        <a:srgbClr val="9E9273"/>
+        <a:srgbClr val="8FB08C"/>
       </a:accent5>
       <a:accent6>
-        <a:srgbClr val="7E848D"/>
+        <a:srgbClr val="D19049"/>
       </a:accent6>
       <a:hlink>
-        <a:srgbClr val="00C8C3"/>
+        <a:srgbClr val="00A3D6"/>
       </a:hlink>
       <a:folHlink>
-        <a:srgbClr val="A116E0"/>
+        <a:srgbClr val="694F07"/>
       </a:folHlink>
     </a:clrScheme>
-    <a:fontScheme name="Technic">
+    <a:fontScheme name="Office">
       <a:majorFont>
-        <a:latin typeface="Franklin Gothic Book"/>
+        <a:latin typeface="Calibri"/>
         <a:ea typeface=""/>
         <a:cs typeface=""/>
         <a:font script="Jpan" typeface="ＭＳ Ｐゴシック"/>
-        <a:font script="Hang" typeface="HY견고딕"/>
+        <a:font script="Hang" typeface="맑은 고딕"/>
         <a:font script="Hans" typeface="宋体"/>
-        <a:font script="Hant" typeface="微軟正黑體"/>
-        <a:font script="Arab" typeface="Tahoma"/>
+        <a:font script="Hant" typeface="新細明體"/>
+        <a:font script="Arab" typeface="Times New Roman"/>
+        <a:font script="Hebr" typeface="Times New Roman"/>
+        <a:font script="Thai" typeface="Angsana New"/>
+        <a:font script="Ethi" typeface="Nyala"/>
+        <a:font script="Beng" typeface="Vrinda"/>
+        <a:font script="Gujr" typeface="Shruti"/>
+        <a:font script="Khmr" typeface="MoolBoran"/>
+        <a:font script="Knda" typeface="Tunga"/>
+        <a:font script="Guru" typeface="Raavi"/>
+        <a:font script="Cans" typeface="Euphemia"/>
+        <a:font script="Cher" typeface="Plantagenet Cherokee"/>
+        <a:font script="Yiii" typeface="Microsoft Yi Baiti"/>
+        <a:font script="Tibt" typeface="Microsoft Himalaya"/>
+        <a:font script="Thaa" typeface="MV Boli"/>
+        <a:font script="Deva" typeface="Mangal"/>
+        <a:font script="Telu" typeface="Gautami"/>
+        <a:font script="Taml" typeface="Latha"/>
+        <a:font script="Syrc" typeface="Estrangelo Edessa"/>
+        <a:font script="Orya" typeface="Kalinga"/>
+        <a:font script="Mlym" typeface="Kartika"/>
+        <a:font script="Laoo" typeface="DokChampa"/>
+        <a:font script="Sinh" typeface="Iskoola Pota"/>
+        <a:font script="Mong" typeface="Mongolian Baiti"/>
+        <a:font script="Viet" typeface="Times New Roman"/>
+        <a:font script="Uigh" typeface="Microsoft Uighur"/>
+        <a:font script="Geor" typeface="Sylfaen"/>
+      </a:majorFont>
+      <a:minorFont>
+        <a:latin typeface="Calibri"/>
+        <a:ea typeface=""/>
+        <a:cs typeface=""/>
+        <a:font script="Jpan" typeface="ＭＳ Ｐゴシック"/>
+        <a:font script="Hang" typeface="맑은 고딕"/>
+        <a:font script="Hans" typeface="宋体"/>
+        <a:font script="Hant" typeface="新細明體"/>
+        <a:font script="Arab" typeface="Arial"/>
         <a:font script="Hebr" typeface="Arial"/>
         <a:font script="Thai" typeface="Cordia New"/>
         <a:font script="Ethi" typeface="Nyala"/>
@@ -4630,18 +4617,268 @@
         <a:font script="Viet" typeface="Arial"/>
         <a:font script="Uigh" typeface="Microsoft Uighur"/>
         <a:font script="Geor" typeface="Sylfaen"/>
+      </a:minorFont>
+    </a:fontScheme>
+    <a:fmtScheme name="Office">
+      <a:fillStyleLst>
+        <a:solidFill>
+          <a:schemeClr val="phClr"/>
+        </a:solidFill>
+        <a:gradFill rotWithShape="1">
+          <a:gsLst>
+            <a:gs pos="0">
+              <a:schemeClr val="phClr">
+                <a:tint val="50000"/>
+                <a:satMod val="300000"/>
+              </a:schemeClr>
+            </a:gs>
+            <a:gs pos="35000">
+              <a:schemeClr val="phClr">
+                <a:tint val="37000"/>
+                <a:satMod val="300000"/>
+              </a:schemeClr>
+            </a:gs>
+            <a:gs pos="100000">
+              <a:schemeClr val="phClr">
+                <a:tint val="15000"/>
+                <a:satMod val="350000"/>
+              </a:schemeClr>
+            </a:gs>
+          </a:gsLst>
+          <a:lin ang="16200000" scaled="1"/>
+        </a:gradFill>
+        <a:gradFill rotWithShape="1">
+          <a:gsLst>
+            <a:gs pos="0">
+              <a:schemeClr val="phClr">
+                <a:shade val="51000"/>
+                <a:satMod val="130000"/>
+              </a:schemeClr>
+            </a:gs>
+            <a:gs pos="80000">
+              <a:schemeClr val="phClr">
+                <a:shade val="93000"/>
+                <a:satMod val="130000"/>
+              </a:schemeClr>
+            </a:gs>
+            <a:gs pos="100000">
+              <a:schemeClr val="phClr">
+                <a:shade val="94000"/>
+                <a:satMod val="135000"/>
+              </a:schemeClr>
+            </a:gs>
+          </a:gsLst>
+          <a:lin ang="16200000" scaled="0"/>
+        </a:gradFill>
+      </a:fillStyleLst>
+      <a:lnStyleLst>
+        <a:ln w="9525" cap="flat" cmpd="sng" algn="ctr">
+          <a:solidFill>
+            <a:schemeClr val="phClr">
+              <a:shade val="95000"/>
+              <a:satMod val="105000"/>
+            </a:schemeClr>
+          </a:solidFill>
+          <a:prstDash val="solid"/>
+        </a:ln>
+        <a:ln w="25400" cap="flat" cmpd="sng" algn="ctr">
+          <a:solidFill>
+            <a:schemeClr val="phClr"/>
+          </a:solidFill>
+          <a:prstDash val="solid"/>
+        </a:ln>
+        <a:ln w="38100" cap="flat" cmpd="sng" algn="ctr">
+          <a:solidFill>
+            <a:schemeClr val="phClr"/>
+          </a:solidFill>
+          <a:prstDash val="solid"/>
+        </a:ln>
+      </a:lnStyleLst>
+      <a:effectStyleLst>
+        <a:effectStyle>
+          <a:effectLst>
+            <a:outerShdw blurRad="40000" dist="20000" dir="5400000" rotWithShape="0">
+              <a:srgbClr val="000000">
+                <a:alpha val="38000"/>
+              </a:srgbClr>
+            </a:outerShdw>
+          </a:effectLst>
+        </a:effectStyle>
+        <a:effectStyle>
+          <a:effectLst>
+            <a:outerShdw blurRad="40000" dist="23000" dir="5400000" rotWithShape="0">
+              <a:srgbClr val="000000">
+                <a:alpha val="35000"/>
+              </a:srgbClr>
+            </a:outerShdw>
+          </a:effectLst>
+        </a:effectStyle>
+        <a:effectStyle>
+          <a:effectLst>
+            <a:outerShdw blurRad="40000" dist="23000" dir="5400000" rotWithShape="0">
+              <a:srgbClr val="000000">
+                <a:alpha val="35000"/>
+              </a:srgbClr>
+            </a:outerShdw>
+          </a:effectLst>
+          <a:scene3d>
+            <a:camera prst="orthographicFront">
+              <a:rot lat="0" lon="0" rev="0"/>
+            </a:camera>
+            <a:lightRig rig="threePt" dir="t">
+              <a:rot lat="0" lon="0" rev="1200000"/>
+            </a:lightRig>
+          </a:scene3d>
+          <a:sp3d>
+            <a:bevelT w="63500" h="25400"/>
+          </a:sp3d>
+        </a:effectStyle>
+      </a:effectStyleLst>
+      <a:bgFillStyleLst>
+        <a:solidFill>
+          <a:schemeClr val="phClr"/>
+        </a:solidFill>
+        <a:gradFill rotWithShape="1">
+          <a:gsLst>
+            <a:gs pos="0">
+              <a:schemeClr val="phClr">
+                <a:tint val="40000"/>
+                <a:satMod val="350000"/>
+              </a:schemeClr>
+            </a:gs>
+            <a:gs pos="40000">
+              <a:schemeClr val="phClr">
+                <a:tint val="45000"/>
+                <a:shade val="99000"/>
+                <a:satMod val="350000"/>
+              </a:schemeClr>
+            </a:gs>
+            <a:gs pos="100000">
+              <a:schemeClr val="phClr">
+                <a:shade val="20000"/>
+                <a:satMod val="255000"/>
+              </a:schemeClr>
+            </a:gs>
+          </a:gsLst>
+          <a:path path="circle">
+            <a:fillToRect l="50000" t="-80000" r="50000" b="180000"/>
+          </a:path>
+        </a:gradFill>
+        <a:gradFill rotWithShape="1">
+          <a:gsLst>
+            <a:gs pos="0">
+              <a:schemeClr val="phClr">
+                <a:tint val="80000"/>
+                <a:satMod val="300000"/>
+              </a:schemeClr>
+            </a:gs>
+            <a:gs pos="100000">
+              <a:schemeClr val="phClr">
+                <a:shade val="30000"/>
+                <a:satMod val="200000"/>
+              </a:schemeClr>
+            </a:gs>
+          </a:gsLst>
+          <a:path path="circle">
+            <a:fillToRect l="50000" t="50000" r="50000" b="50000"/>
+          </a:path>
+        </a:gradFill>
+      </a:bgFillStyleLst>
+    </a:fmtScheme>
+  </a:themeElements>
+  <a:objectDefaults/>
+  <a:extraClrSchemeLst/>
+</a:theme>
+</file>
+
+<file path=ppt/theme/theme2.xml><?xml version="1.0" encoding="utf-8"?>
+<a:theme xmlns:a="http://schemas.openxmlformats.org/drawingml/2006/main" name="Office Theme">
+  <a:themeElements>
+    <a:clrScheme name="Office">
+      <a:dk1>
+        <a:sysClr val="windowText" lastClr="000000"/>
+      </a:dk1>
+      <a:lt1>
+        <a:sysClr val="window" lastClr="FFFFFF"/>
+      </a:lt1>
+      <a:dk2>
+        <a:srgbClr val="1F497D"/>
+      </a:dk2>
+      <a:lt2>
+        <a:srgbClr val="EEECE1"/>
+      </a:lt2>
+      <a:accent1>
+        <a:srgbClr val="4F81BD"/>
+      </a:accent1>
+      <a:accent2>
+        <a:srgbClr val="C0504D"/>
+      </a:accent2>
+      <a:accent3>
+        <a:srgbClr val="9BBB59"/>
+      </a:accent3>
+      <a:accent4>
+        <a:srgbClr val="8064A2"/>
+      </a:accent4>
+      <a:accent5>
+        <a:srgbClr val="4BACC6"/>
+      </a:accent5>
+      <a:accent6>
+        <a:srgbClr val="F79646"/>
+      </a:accent6>
+      <a:hlink>
+        <a:srgbClr val="0000FF"/>
+      </a:hlink>
+      <a:folHlink>
+        <a:srgbClr val="800080"/>
+      </a:folHlink>
+    </a:clrScheme>
+    <a:fontScheme name="Office">
+      <a:majorFont>
+        <a:latin typeface="Calibri"/>
+        <a:ea typeface=""/>
+        <a:cs typeface=""/>
+        <a:font script="Jpan" typeface="ＭＳ Ｐゴシック"/>
+        <a:font script="Hang" typeface="맑은 고딕"/>
+        <a:font script="Hans" typeface="宋体"/>
+        <a:font script="Hant" typeface="新細明體"/>
+        <a:font script="Arab" typeface="Times New Roman"/>
+        <a:font script="Hebr" typeface="Times New Roman"/>
+        <a:font script="Thai" typeface="Angsana New"/>
+        <a:font script="Ethi" typeface="Nyala"/>
+        <a:font script="Beng" typeface="Vrinda"/>
+        <a:font script="Gujr" typeface="Shruti"/>
+        <a:font script="Khmr" typeface="MoolBoran"/>
+        <a:font script="Knda" typeface="Tunga"/>
+        <a:font script="Guru" typeface="Raavi"/>
+        <a:font script="Cans" typeface="Euphemia"/>
+        <a:font script="Cher" typeface="Plantagenet Cherokee"/>
+        <a:font script="Yiii" typeface="Microsoft Yi Baiti"/>
+        <a:font script="Tibt" typeface="Microsoft Himalaya"/>
+        <a:font script="Thaa" typeface="MV Boli"/>
+        <a:font script="Deva" typeface="Mangal"/>
+        <a:font script="Telu" typeface="Gautami"/>
+        <a:font script="Taml" typeface="Latha"/>
+        <a:font script="Syrc" typeface="Estrangelo Edessa"/>
+        <a:font script="Orya" typeface="Kalinga"/>
+        <a:font script="Mlym" typeface="Kartika"/>
+        <a:font script="Laoo" typeface="DokChampa"/>
+        <a:font script="Sinh" typeface="Iskoola Pota"/>
+        <a:font script="Mong" typeface="Mongolian Baiti"/>
+        <a:font script="Viet" typeface="Times New Roman"/>
+        <a:font script="Uigh" typeface="Microsoft Uighur"/>
+        <a:font script="Geor" typeface="Sylfaen"/>
       </a:majorFont>
       <a:minorFont>
-        <a:latin typeface="Arial"/>
+        <a:latin typeface="Calibri"/>
         <a:ea typeface=""/>
         <a:cs typeface=""/>
-        <a:font script="Jpan" typeface="HGｺﾞｼｯｸM"/>
-        <a:font script="Hang" typeface="HY중고딕"/>
-        <a:font script="Hans" typeface="黑体"/>
-        <a:font script="Hant" typeface="微軟正黑體"/>
-        <a:font script="Arab" typeface="Tahoma"/>
-        <a:font script="Hebr" typeface="Levenim MT"/>
-        <a:font script="Thai" typeface="LilyUPC"/>
+        <a:font script="Jpan" typeface="ＭＳ Ｐゴシック"/>
+        <a:font script="Hang" typeface="맑은 고딕"/>
+        <a:font script="Hans" typeface="宋体"/>
+        <a:font script="Hant" typeface="新細明體"/>
+        <a:font script="Arab" typeface="Arial"/>
+        <a:font script="Hebr" typeface="Arial"/>
+        <a:font script="Thai" typeface="Cordia New"/>
         <a:font script="Ethi" typeface="Nyala"/>
         <a:font script="Beng" typeface="Vrinda"/>
         <a:font script="Gujr" typeface="Shruti"/>
@@ -4667,7 +4904,7 @@
         <a:font script="Geor" typeface="Sylfaen"/>
       </a:minorFont>
     </a:fontScheme>
-    <a:fmtScheme name="Technic">
+    <a:fmtScheme name="Office">
       <a:fillStyleLst>
         <a:solidFill>
           <a:schemeClr val="phClr"/>
@@ -4676,99 +4913,66 @@
           <a:gsLst>
             <a:gs pos="0">
               <a:schemeClr val="phClr">
-                <a:tint val="1000"/>
+                <a:tint val="50000"/>
+                <a:satMod val="300000"/>
               </a:schemeClr>
             </a:gs>
-            <a:gs pos="68000">
+            <a:gs pos="35000">
               <a:schemeClr val="phClr">
-                <a:tint val="77000"/>
-              </a:schemeClr>
-            </a:gs>
-            <a:gs pos="81000">
-              <a:schemeClr val="phClr">
-                <a:tint val="79000"/>
-              </a:schemeClr>
-            </a:gs>
-            <a:gs pos="86000">
-              <a:schemeClr val="phClr">
-                <a:tint val="73000"/>
+                <a:tint val="37000"/>
+                <a:satMod val="300000"/>
               </a:schemeClr>
             </a:gs>
             <a:gs pos="100000">
               <a:schemeClr val="phClr">
-                <a:tint val="35000"/>
+                <a:tint val="15000"/>
+                <a:satMod val="350000"/>
               </a:schemeClr>
             </a:gs>
           </a:gsLst>
-          <a:lin ang="5400000" scaled="1"/>
+          <a:lin ang="16200000" scaled="1"/>
         </a:gradFill>
         <a:gradFill rotWithShape="1">
           <a:gsLst>
             <a:gs pos="0">
               <a:schemeClr val="phClr">
-                <a:tint val="73000"/>
-                <a:satMod val="150000"/>
-              </a:schemeClr>
-            </a:gs>
-            <a:gs pos="25000">
-              <a:schemeClr val="phClr">
-                <a:tint val="96000"/>
-                <a:shade val="80000"/>
-                <a:satMod val="105000"/>
-              </a:schemeClr>
-            </a:gs>
-            <a:gs pos="38000">
-              <a:schemeClr val="phClr">
-                <a:tint val="96000"/>
-                <a:shade val="59000"/>
-                <a:satMod val="120000"/>
-              </a:schemeClr>
-            </a:gs>
-            <a:gs pos="55000">
-              <a:schemeClr val="phClr">
-                <a:shade val="57000"/>
-                <a:satMod val="120000"/>
+                <a:shade val="51000"/>
+                <a:satMod val="130000"/>
               </a:schemeClr>
             </a:gs>
             <a:gs pos="80000">
               <a:schemeClr val="phClr">
-                <a:shade val="56000"/>
-                <a:satMod val="145000"/>
-              </a:schemeClr>
-            </a:gs>
-            <a:gs pos="88000">
-              <a:schemeClr val="phClr">
-                <a:shade val="63000"/>
-                <a:satMod val="160000"/>
+                <a:shade val="93000"/>
+                <a:satMod val="130000"/>
               </a:schemeClr>
             </a:gs>
             <a:gs pos="100000">
               <a:schemeClr val="phClr">
-                <a:tint val="99555"/>
-                <a:satMod val="155000"/>
+                <a:shade val="94000"/>
+                <a:satMod val="135000"/>
               </a:schemeClr>
             </a:gs>
           </a:gsLst>
-          <a:lin ang="5400000" scaled="1"/>
+          <a:lin ang="16200000" scaled="0"/>
         </a:gradFill>
       </a:fillStyleLst>
       <a:lnStyleLst>
         <a:ln w="9525" cap="flat" cmpd="sng" algn="ctr">
           <a:solidFill>
             <a:schemeClr val="phClr">
-              <a:shade val="60000"/>
-              <a:satMod val="300000"/>
+              <a:shade val="95000"/>
+              <a:satMod val="105000"/>
             </a:schemeClr>
           </a:solidFill>
           <a:prstDash val="solid"/>
         </a:ln>
-        <a:ln w="19050" cap="flat" cmpd="sng" algn="ctr">
+        <a:ln w="25400" cap="flat" cmpd="sng" algn="ctr">
           <a:solidFill>
             <a:schemeClr val="phClr"/>
           </a:solidFill>
           <a:prstDash val="solid"/>
         </a:ln>
-        <a:ln w="19050" cap="flat" cmpd="sng" algn="ctr">
+        <a:ln w="38100" cap="flat" cmpd="sng" algn="ctr">
           <a:solidFill>
             <a:schemeClr val="phClr"/>
           </a:solidFill>
@@ -4778,55 +4982,40 @@
       <a:effectStyleLst>
         <a:effectStyle>
           <a:effectLst>
-            <a:glow rad="63500">
-              <a:schemeClr val="phClr">
-                <a:tint val="30000"/>
-                <a:shade val="95000"/>
-                <a:satMod val="300000"/>
-                <a:alpha val="50000"/>
-              </a:schemeClr>
-            </a:glow>
+            <a:outerShdw blurRad="40000" dist="20000" dir="5400000" rotWithShape="0">
+              <a:srgbClr val="000000">
+                <a:alpha val="38000"/>
+              </a:srgbClr>
+            </a:outerShdw>
           </a:effectLst>
         </a:effectStyle>
         <a:effectStyle>
           <a:effectLst>
-            <a:glow rad="70000">
-              <a:schemeClr val="phClr">
-                <a:tint val="30000"/>
-                <a:shade val="95000"/>
-                <a:satMod val="300000"/>
-                <a:alpha val="50000"/>
-              </a:schemeClr>
-            </a:glow>
+            <a:outerShdw blurRad="40000" dist="23000" dir="5400000" rotWithShape="0">
+              <a:srgbClr val="000000">
+                <a:alpha val="35000"/>
+              </a:srgbClr>
+            </a:outerShdw>
           </a:effectLst>
         </a:effectStyle>
         <a:effectStyle>
           <a:effectLst>
-            <a:glow rad="76200">
-              <a:schemeClr val="phClr">
-                <a:tint val="30000"/>
-                <a:shade val="95000"/>
-                <a:satMod val="300000"/>
-                <a:alpha val="50000"/>
-              </a:schemeClr>
-            </a:glow>
+            <a:outerShdw blurRad="40000" dist="23000" dir="5400000" rotWithShape="0">
+              <a:srgbClr val="000000">
+                <a:alpha val="35000"/>
+              </a:srgbClr>
+            </a:outerShdw>
           </a:effectLst>
           <a:scene3d>
-            <a:camera prst="orthographicFront" fov="0">
+            <a:camera prst="orthographicFront">
               <a:rot lat="0" lon="0" rev="0"/>
             </a:camera>
-            <a:lightRig rig="harsh" dir="t">
-              <a:rot lat="6000000" lon="6000000" rev="0"/>
+            <a:lightRig rig="threePt" dir="t">
+              <a:rot lat="0" lon="0" rev="1200000"/>
             </a:lightRig>
           </a:scene3d>
-          <a:sp3d contourW="10000" prstMaterial="metal">
-            <a:bevelT w="20000" h="9000" prst="softRound"/>
-            <a:contourClr>
-              <a:schemeClr val="phClr">
-                <a:shade val="30000"/>
-                <a:satMod val="200000"/>
-              </a:schemeClr>
-            </a:contourClr>
+          <a:sp3d>
+            <a:bevelT w="63500" h="25400"/>
           </a:sp3d>
         </a:effectStyle>
       </a:effectStyleLst>
@@ -4838,42 +5027,45 @@
           <a:gsLst>
             <a:gs pos="0">
               <a:schemeClr val="phClr">
-                <a:shade val="40000"/>
-                <a:satMod val="150000"/>
+                <a:tint val="40000"/>
+                <a:satMod val="350000"/>
               </a:schemeClr>
             </a:gs>
-            <a:gs pos="30000">
+            <a:gs pos="40000">
               <a:schemeClr val="phClr">
-                <a:shade val="60000"/>
-                <a:satMod val="150000"/>
+                <a:tint val="45000"/>
+                <a:shade val="99000"/>
+                <a:satMod val="350000"/>
               </a:schemeClr>
             </a:gs>
             <a:gs pos="100000">
               <a:schemeClr val="phClr">
-                <a:tint val="83000"/>
-                <a:satMod val="200000"/>
+                <a:shade val="20000"/>
+                <a:satMod val="255000"/>
               </a:schemeClr>
             </a:gs>
           </a:gsLst>
-          <a:lin ang="13000000" scaled="0"/>
+          <a:path path="circle">
+            <a:fillToRect l="50000" t="-80000" r="50000" b="180000"/>
+          </a:path>
         </a:gradFill>
         <a:gradFill rotWithShape="1">
           <a:gsLst>
             <a:gs pos="0">
               <a:schemeClr val="phClr">
-                <a:tint val="78000"/>
-                <a:satMod val="220000"/>
+                <a:tint val="80000"/>
+                <a:satMod val="300000"/>
               </a:schemeClr>
             </a:gs>
             <a:gs pos="100000">
               <a:schemeClr val="phClr">
-                <a:shade val="35000"/>
-                <a:satMod val="155000"/>
+                <a:shade val="30000"/>
+                <a:satMod val="200000"/>
               </a:schemeClr>
             </a:gs>
           </a:gsLst>
           <a:path path="circle">
-            <a:fillToRect l="60000" t="50000" r="40000" b="50000"/>
+            <a:fillToRect l="50000" t="50000" r="50000" b="50000"/>
           </a:path>
         </a:gradFill>
       </a:bgFillStyleLst>
